--- a/slideshow/Teologia Sistematica y Biblica - Myer Pearlman/Clases/6. Hombre.pptx
+++ b/slideshow/Teologia Sistematica y Biblica - Myer Pearlman/Clases/6. Hombre.pptx
@@ -2,7 +2,7 @@
 <file path=ppt/presentation.xml><?xml version="1.0" encoding="utf-8"?>
 <p:presentation xmlns:a="http://schemas.openxmlformats.org/drawingml/2006/main" xmlns:r="http://schemas.openxmlformats.org/officeDocument/2006/relationships" xmlns:p="http://schemas.openxmlformats.org/presentationml/2006/main" saveSubsetFonts="1">
   <p:sldMasterIdLst>
-    <p:sldMasterId id="2147483672" r:id="rId1"/>
+    <p:sldMasterId id="2147483684" r:id="rId1"/>
   </p:sldMasterIdLst>
   <p:sldIdLst>
     <p:sldId id="256" r:id="rId2"/>
@@ -31,7 +31,7 @@
     <p:sldId id="312" r:id="rId25"/>
     <p:sldId id="313" r:id="rId26"/>
   </p:sldIdLst>
-  <p:sldSz cx="9144000" cy="5715000" type="screen16x10"/>
+  <p:sldSz cx="10160000" cy="5715000"/>
   <p:notesSz cx="6858000" cy="9144000"/>
   <p:defaultTextStyle>
     <a:defPPr>
@@ -165,15 +165,15 @@
         </p:nvSpPr>
         <p:spPr>
           <a:xfrm>
-            <a:off x="1143000" y="935303"/>
-            <a:ext cx="6858000" cy="1989667"/>
+            <a:off x="1270000" y="935302"/>
+            <a:ext cx="7620000" cy="1989667"/>
           </a:xfrm>
         </p:spPr>
         <p:txBody>
           <a:bodyPr anchor="b"/>
           <a:lstStyle>
             <a:lvl1pPr algn="ctr">
-              <a:defRPr sz="4500"/>
+              <a:defRPr sz="5000"/>
             </a:lvl1pPr>
           </a:lstStyle>
           <a:p>
@@ -197,8 +197,8 @@
         </p:nvSpPr>
         <p:spPr>
           <a:xfrm>
-            <a:off x="1143000" y="3001698"/>
-            <a:ext cx="6858000" cy="1379802"/>
+            <a:off x="1270000" y="3001698"/>
+            <a:ext cx="7620000" cy="1379802"/>
           </a:xfrm>
         </p:spPr>
         <p:txBody>
@@ -206,39 +206,39 @@
           <a:lstStyle>
             <a:lvl1pPr marL="0" indent="0" algn="ctr">
               <a:buNone/>
-              <a:defRPr sz="1800"/>
+              <a:defRPr sz="2000"/>
             </a:lvl1pPr>
-            <a:lvl2pPr marL="342891" indent="0" algn="ctr">
+            <a:lvl2pPr marL="380985" indent="0" algn="ctr">
+              <a:buNone/>
+              <a:defRPr sz="1667"/>
+            </a:lvl2pPr>
+            <a:lvl3pPr marL="761970" indent="0" algn="ctr">
               <a:buNone/>
               <a:defRPr sz="1500"/>
-            </a:lvl2pPr>
-            <a:lvl3pPr marL="685783" indent="0" algn="ctr">
-              <a:buNone/>
-              <a:defRPr sz="1351"/>
             </a:lvl3pPr>
-            <a:lvl4pPr marL="1028674" indent="0" algn="ctr">
-              <a:buNone/>
-              <a:defRPr sz="1200"/>
+            <a:lvl4pPr marL="1142954" indent="0" algn="ctr">
+              <a:buNone/>
+              <a:defRPr sz="1333"/>
             </a:lvl4pPr>
-            <a:lvl5pPr marL="1371566" indent="0" algn="ctr">
-              <a:buNone/>
-              <a:defRPr sz="1200"/>
+            <a:lvl5pPr marL="1523939" indent="0" algn="ctr">
+              <a:buNone/>
+              <a:defRPr sz="1333"/>
             </a:lvl5pPr>
-            <a:lvl6pPr marL="1714457" indent="0" algn="ctr">
-              <a:buNone/>
-              <a:defRPr sz="1200"/>
+            <a:lvl6pPr marL="1904924" indent="0" algn="ctr">
+              <a:buNone/>
+              <a:defRPr sz="1333"/>
             </a:lvl6pPr>
-            <a:lvl7pPr marL="2057349" indent="0" algn="ctr">
-              <a:buNone/>
-              <a:defRPr sz="1200"/>
+            <a:lvl7pPr marL="2285909" indent="0" algn="ctr">
+              <a:buNone/>
+              <a:defRPr sz="1333"/>
             </a:lvl7pPr>
-            <a:lvl8pPr marL="2400240" indent="0" algn="ctr">
-              <a:buNone/>
-              <a:defRPr sz="1200"/>
+            <a:lvl8pPr marL="2666893" indent="0" algn="ctr">
+              <a:buNone/>
+              <a:defRPr sz="1333"/>
             </a:lvl8pPr>
-            <a:lvl9pPr marL="2743131" indent="0" algn="ctr">
-              <a:buNone/>
-              <a:defRPr sz="1200"/>
+            <a:lvl9pPr marL="3047878" indent="0" algn="ctr">
+              <a:buNone/>
+              <a:defRPr sz="1333"/>
             </a:lvl9pPr>
           </a:lstStyle>
           <a:p>
@@ -267,7 +267,7 @@
           <a:p>
             <a:fld id="{50DEE611-8BEF-4990-B4F5-91A0FAC492E5}" type="datetimeFigureOut">
               <a:rPr lang="es-VE" smtClean="0"/>
-              <a:t>23/4/2021</a:t>
+              <a:t>23/6/2023</a:t>
             </a:fld>
             <a:endParaRPr lang="es-VE" dirty="0"/>
           </a:p>
@@ -318,7 +318,7 @@
     </p:spTree>
     <p:extLst>
       <p:ext uri="{BB962C8B-B14F-4D97-AF65-F5344CB8AC3E}">
-        <p14:creationId xmlns:p14="http://schemas.microsoft.com/office/powerpoint/2010/main" val="415702217"/>
+        <p14:creationId xmlns:p14="http://schemas.microsoft.com/office/powerpoint/2010/main" val="3121672789"/>
       </p:ext>
     </p:extLst>
   </p:cSld>
@@ -437,7 +437,7 @@
           <a:p>
             <a:fld id="{50DEE611-8BEF-4990-B4F5-91A0FAC492E5}" type="datetimeFigureOut">
               <a:rPr lang="es-VE" smtClean="0"/>
-              <a:t>23/4/2021</a:t>
+              <a:t>23/6/2023</a:t>
             </a:fld>
             <a:endParaRPr lang="es-VE" dirty="0"/>
           </a:p>
@@ -488,7 +488,7 @@
     </p:spTree>
     <p:extLst>
       <p:ext uri="{BB962C8B-B14F-4D97-AF65-F5344CB8AC3E}">
-        <p14:creationId xmlns:p14="http://schemas.microsoft.com/office/powerpoint/2010/main" val="3246863016"/>
+        <p14:creationId xmlns:p14="http://schemas.microsoft.com/office/powerpoint/2010/main" val="301212185"/>
       </p:ext>
     </p:extLst>
   </p:cSld>
@@ -527,8 +527,8 @@
         </p:nvSpPr>
         <p:spPr>
           <a:xfrm>
-            <a:off x="6543676" y="304272"/>
-            <a:ext cx="1971675" cy="4843198"/>
+            <a:off x="7270750" y="304271"/>
+            <a:ext cx="2190750" cy="4843198"/>
           </a:xfrm>
         </p:spPr>
         <p:txBody>
@@ -555,8 +555,8 @@
         </p:nvSpPr>
         <p:spPr>
           <a:xfrm>
-            <a:off x="628651" y="304272"/>
-            <a:ext cx="5800725" cy="4843198"/>
+            <a:off x="698500" y="304271"/>
+            <a:ext cx="6445250" cy="4843198"/>
           </a:xfrm>
         </p:spPr>
         <p:txBody>
@@ -617,7 +617,7 @@
           <a:p>
             <a:fld id="{50DEE611-8BEF-4990-B4F5-91A0FAC492E5}" type="datetimeFigureOut">
               <a:rPr lang="es-VE" smtClean="0"/>
-              <a:t>23/4/2021</a:t>
+              <a:t>23/6/2023</a:t>
             </a:fld>
             <a:endParaRPr lang="es-VE" dirty="0"/>
           </a:p>
@@ -668,7 +668,7 @@
     </p:spTree>
     <p:extLst>
       <p:ext uri="{BB962C8B-B14F-4D97-AF65-F5344CB8AC3E}">
-        <p14:creationId xmlns:p14="http://schemas.microsoft.com/office/powerpoint/2010/main" val="117500492"/>
+        <p14:creationId xmlns:p14="http://schemas.microsoft.com/office/powerpoint/2010/main" val="563821328"/>
       </p:ext>
     </p:extLst>
   </p:cSld>
@@ -787,7 +787,7 @@
           <a:p>
             <a:fld id="{50DEE611-8BEF-4990-B4F5-91A0FAC492E5}" type="datetimeFigureOut">
               <a:rPr lang="es-VE" smtClean="0"/>
-              <a:t>23/4/2021</a:t>
+              <a:t>23/6/2023</a:t>
             </a:fld>
             <a:endParaRPr lang="es-VE" dirty="0"/>
           </a:p>
@@ -838,7 +838,7 @@
     </p:spTree>
     <p:extLst>
       <p:ext uri="{BB962C8B-B14F-4D97-AF65-F5344CB8AC3E}">
-        <p14:creationId xmlns:p14="http://schemas.microsoft.com/office/powerpoint/2010/main" val="932787524"/>
+        <p14:creationId xmlns:p14="http://schemas.microsoft.com/office/powerpoint/2010/main" val="1712115908"/>
       </p:ext>
     </p:extLst>
   </p:cSld>
@@ -877,15 +877,15 @@
         </p:nvSpPr>
         <p:spPr>
           <a:xfrm>
-            <a:off x="623889" y="1424783"/>
-            <a:ext cx="7886700" cy="2377281"/>
+            <a:off x="693208" y="1424782"/>
+            <a:ext cx="8763000" cy="2377281"/>
           </a:xfrm>
         </p:spPr>
         <p:txBody>
           <a:bodyPr anchor="b"/>
           <a:lstStyle>
             <a:lvl1pPr>
-              <a:defRPr sz="4500"/>
+              <a:defRPr sz="5000"/>
             </a:lvl1pPr>
           </a:lstStyle>
           <a:p>
@@ -909,8 +909,8 @@
         </p:nvSpPr>
         <p:spPr>
           <a:xfrm>
-            <a:off x="623889" y="3824553"/>
-            <a:ext cx="7886700" cy="1250156"/>
+            <a:off x="693208" y="3824553"/>
+            <a:ext cx="8763000" cy="1250156"/>
           </a:xfrm>
         </p:spPr>
         <p:txBody>
@@ -918,7 +918,7 @@
           <a:lstStyle>
             <a:lvl1pPr marL="0" indent="0">
               <a:buNone/>
-              <a:defRPr sz="1800">
+              <a:defRPr sz="2000">
                 <a:solidFill>
                   <a:schemeClr val="tx1">
                     <a:tint val="75000"/>
@@ -926,9 +926,9 @@
                 </a:solidFill>
               </a:defRPr>
             </a:lvl1pPr>
-            <a:lvl2pPr marL="342891" indent="0">
-              <a:buNone/>
-              <a:defRPr sz="1500">
+            <a:lvl2pPr marL="380985" indent="0">
+              <a:buNone/>
+              <a:defRPr sz="1667">
                 <a:solidFill>
                   <a:schemeClr val="tx1">
                     <a:tint val="75000"/>
@@ -936,9 +936,9 @@
                 </a:solidFill>
               </a:defRPr>
             </a:lvl2pPr>
-            <a:lvl3pPr marL="685783" indent="0">
-              <a:buNone/>
-              <a:defRPr sz="1351">
+            <a:lvl3pPr marL="761970" indent="0">
+              <a:buNone/>
+              <a:defRPr sz="1500">
                 <a:solidFill>
                   <a:schemeClr val="tx1">
                     <a:tint val="75000"/>
@@ -946,9 +946,9 @@
                 </a:solidFill>
               </a:defRPr>
             </a:lvl3pPr>
-            <a:lvl4pPr marL="1028674" indent="0">
-              <a:buNone/>
-              <a:defRPr sz="1200">
+            <a:lvl4pPr marL="1142954" indent="0">
+              <a:buNone/>
+              <a:defRPr sz="1333">
                 <a:solidFill>
                   <a:schemeClr val="tx1">
                     <a:tint val="75000"/>
@@ -956,9 +956,9 @@
                 </a:solidFill>
               </a:defRPr>
             </a:lvl4pPr>
-            <a:lvl5pPr marL="1371566" indent="0">
-              <a:buNone/>
-              <a:defRPr sz="1200">
+            <a:lvl5pPr marL="1523939" indent="0">
+              <a:buNone/>
+              <a:defRPr sz="1333">
                 <a:solidFill>
                   <a:schemeClr val="tx1">
                     <a:tint val="75000"/>
@@ -966,9 +966,9 @@
                 </a:solidFill>
               </a:defRPr>
             </a:lvl5pPr>
-            <a:lvl6pPr marL="1714457" indent="0">
-              <a:buNone/>
-              <a:defRPr sz="1200">
+            <a:lvl6pPr marL="1904924" indent="0">
+              <a:buNone/>
+              <a:defRPr sz="1333">
                 <a:solidFill>
                   <a:schemeClr val="tx1">
                     <a:tint val="75000"/>
@@ -976,9 +976,9 @@
                 </a:solidFill>
               </a:defRPr>
             </a:lvl6pPr>
-            <a:lvl7pPr marL="2057349" indent="0">
-              <a:buNone/>
-              <a:defRPr sz="1200">
+            <a:lvl7pPr marL="2285909" indent="0">
+              <a:buNone/>
+              <a:defRPr sz="1333">
                 <a:solidFill>
                   <a:schemeClr val="tx1">
                     <a:tint val="75000"/>
@@ -986,9 +986,9 @@
                 </a:solidFill>
               </a:defRPr>
             </a:lvl7pPr>
-            <a:lvl8pPr marL="2400240" indent="0">
-              <a:buNone/>
-              <a:defRPr sz="1200">
+            <a:lvl8pPr marL="2666893" indent="0">
+              <a:buNone/>
+              <a:defRPr sz="1333">
                 <a:solidFill>
                   <a:schemeClr val="tx1">
                     <a:tint val="75000"/>
@@ -996,9 +996,9 @@
                 </a:solidFill>
               </a:defRPr>
             </a:lvl8pPr>
-            <a:lvl9pPr marL="2743131" indent="0">
-              <a:buNone/>
-              <a:defRPr sz="1200">
+            <a:lvl9pPr marL="3047878" indent="0">
+              <a:buNone/>
+              <a:defRPr sz="1333">
                 <a:solidFill>
                   <a:schemeClr val="tx1">
                     <a:tint val="75000"/>
@@ -1033,7 +1033,7 @@
           <a:p>
             <a:fld id="{50DEE611-8BEF-4990-B4F5-91A0FAC492E5}" type="datetimeFigureOut">
               <a:rPr lang="es-VE" smtClean="0"/>
-              <a:t>23/4/2021</a:t>
+              <a:t>23/6/2023</a:t>
             </a:fld>
             <a:endParaRPr lang="es-VE" dirty="0"/>
           </a:p>
@@ -1084,7 +1084,7 @@
     </p:spTree>
     <p:extLst>
       <p:ext uri="{BB962C8B-B14F-4D97-AF65-F5344CB8AC3E}">
-        <p14:creationId xmlns:p14="http://schemas.microsoft.com/office/powerpoint/2010/main" val="1341747746"/>
+        <p14:creationId xmlns:p14="http://schemas.microsoft.com/office/powerpoint/2010/main" val="471725604"/>
       </p:ext>
     </p:extLst>
   </p:cSld>
@@ -1146,8 +1146,8 @@
         </p:nvSpPr>
         <p:spPr>
           <a:xfrm>
-            <a:off x="628651" y="1521354"/>
-            <a:ext cx="3886200" cy="3626115"/>
+            <a:off x="698500" y="1521354"/>
+            <a:ext cx="4318000" cy="3626115"/>
           </a:xfrm>
         </p:spPr>
         <p:txBody>
@@ -1203,8 +1203,8 @@
         </p:nvSpPr>
         <p:spPr>
           <a:xfrm>
-            <a:off x="4629151" y="1521354"/>
-            <a:ext cx="3886200" cy="3626115"/>
+            <a:off x="5143500" y="1521354"/>
+            <a:ext cx="4318000" cy="3626115"/>
           </a:xfrm>
         </p:spPr>
         <p:txBody>
@@ -1265,7 +1265,7 @@
           <a:p>
             <a:fld id="{50DEE611-8BEF-4990-B4F5-91A0FAC492E5}" type="datetimeFigureOut">
               <a:rPr lang="es-VE" smtClean="0"/>
-              <a:t>23/4/2021</a:t>
+              <a:t>23/6/2023</a:t>
             </a:fld>
             <a:endParaRPr lang="es-VE" dirty="0"/>
           </a:p>
@@ -1316,7 +1316,7 @@
     </p:spTree>
     <p:extLst>
       <p:ext uri="{BB962C8B-B14F-4D97-AF65-F5344CB8AC3E}">
-        <p14:creationId xmlns:p14="http://schemas.microsoft.com/office/powerpoint/2010/main" val="3451407315"/>
+        <p14:creationId xmlns:p14="http://schemas.microsoft.com/office/powerpoint/2010/main" val="937114913"/>
       </p:ext>
     </p:extLst>
   </p:cSld>
@@ -1355,8 +1355,8 @@
         </p:nvSpPr>
         <p:spPr>
           <a:xfrm>
-            <a:off x="629842" y="304271"/>
-            <a:ext cx="7886700" cy="1104636"/>
+            <a:off x="699823" y="304271"/>
+            <a:ext cx="8763000" cy="1104636"/>
           </a:xfrm>
         </p:spPr>
         <p:txBody>
@@ -1383,8 +1383,8 @@
         </p:nvSpPr>
         <p:spPr>
           <a:xfrm>
-            <a:off x="629842" y="1400970"/>
-            <a:ext cx="3868340" cy="686593"/>
+            <a:off x="699824" y="1400969"/>
+            <a:ext cx="4298156" cy="686593"/>
           </a:xfrm>
         </p:spPr>
         <p:txBody>
@@ -1392,39 +1392,39 @@
           <a:lstStyle>
             <a:lvl1pPr marL="0" indent="0">
               <a:buNone/>
-              <a:defRPr sz="1800" b="1"/>
+              <a:defRPr sz="2000" b="1"/>
             </a:lvl1pPr>
-            <a:lvl2pPr marL="342891" indent="0">
+            <a:lvl2pPr marL="380985" indent="0">
+              <a:buNone/>
+              <a:defRPr sz="1667" b="1"/>
+            </a:lvl2pPr>
+            <a:lvl3pPr marL="761970" indent="0">
               <a:buNone/>
               <a:defRPr sz="1500" b="1"/>
-            </a:lvl2pPr>
-            <a:lvl3pPr marL="685783" indent="0">
-              <a:buNone/>
-              <a:defRPr sz="1351" b="1"/>
             </a:lvl3pPr>
-            <a:lvl4pPr marL="1028674" indent="0">
-              <a:buNone/>
-              <a:defRPr sz="1200" b="1"/>
+            <a:lvl4pPr marL="1142954" indent="0">
+              <a:buNone/>
+              <a:defRPr sz="1333" b="1"/>
             </a:lvl4pPr>
-            <a:lvl5pPr marL="1371566" indent="0">
-              <a:buNone/>
-              <a:defRPr sz="1200" b="1"/>
+            <a:lvl5pPr marL="1523939" indent="0">
+              <a:buNone/>
+              <a:defRPr sz="1333" b="1"/>
             </a:lvl5pPr>
-            <a:lvl6pPr marL="1714457" indent="0">
-              <a:buNone/>
-              <a:defRPr sz="1200" b="1"/>
+            <a:lvl6pPr marL="1904924" indent="0">
+              <a:buNone/>
+              <a:defRPr sz="1333" b="1"/>
             </a:lvl6pPr>
-            <a:lvl7pPr marL="2057349" indent="0">
-              <a:buNone/>
-              <a:defRPr sz="1200" b="1"/>
+            <a:lvl7pPr marL="2285909" indent="0">
+              <a:buNone/>
+              <a:defRPr sz="1333" b="1"/>
             </a:lvl7pPr>
-            <a:lvl8pPr marL="2400240" indent="0">
-              <a:buNone/>
-              <a:defRPr sz="1200" b="1"/>
+            <a:lvl8pPr marL="2666893" indent="0">
+              <a:buNone/>
+              <a:defRPr sz="1333" b="1"/>
             </a:lvl8pPr>
-            <a:lvl9pPr marL="2743131" indent="0">
-              <a:buNone/>
-              <a:defRPr sz="1200" b="1"/>
+            <a:lvl9pPr marL="3047878" indent="0">
+              <a:buNone/>
+              <a:defRPr sz="1333" b="1"/>
             </a:lvl9pPr>
           </a:lstStyle>
           <a:p>
@@ -1448,8 +1448,8 @@
         </p:nvSpPr>
         <p:spPr>
           <a:xfrm>
-            <a:off x="629842" y="2087563"/>
-            <a:ext cx="3868340" cy="3070490"/>
+            <a:off x="699824" y="2087563"/>
+            <a:ext cx="4298156" cy="3070490"/>
           </a:xfrm>
         </p:spPr>
         <p:txBody>
@@ -1505,8 +1505,8 @@
         </p:nvSpPr>
         <p:spPr>
           <a:xfrm>
-            <a:off x="4629151" y="1400970"/>
-            <a:ext cx="3887391" cy="686593"/>
+            <a:off x="5143500" y="1400969"/>
+            <a:ext cx="4319323" cy="686593"/>
           </a:xfrm>
         </p:spPr>
         <p:txBody>
@@ -1514,39 +1514,39 @@
           <a:lstStyle>
             <a:lvl1pPr marL="0" indent="0">
               <a:buNone/>
-              <a:defRPr sz="1800" b="1"/>
+              <a:defRPr sz="2000" b="1"/>
             </a:lvl1pPr>
-            <a:lvl2pPr marL="342891" indent="0">
+            <a:lvl2pPr marL="380985" indent="0">
+              <a:buNone/>
+              <a:defRPr sz="1667" b="1"/>
+            </a:lvl2pPr>
+            <a:lvl3pPr marL="761970" indent="0">
               <a:buNone/>
               <a:defRPr sz="1500" b="1"/>
-            </a:lvl2pPr>
-            <a:lvl3pPr marL="685783" indent="0">
-              <a:buNone/>
-              <a:defRPr sz="1351" b="1"/>
             </a:lvl3pPr>
-            <a:lvl4pPr marL="1028674" indent="0">
-              <a:buNone/>
-              <a:defRPr sz="1200" b="1"/>
+            <a:lvl4pPr marL="1142954" indent="0">
+              <a:buNone/>
+              <a:defRPr sz="1333" b="1"/>
             </a:lvl4pPr>
-            <a:lvl5pPr marL="1371566" indent="0">
-              <a:buNone/>
-              <a:defRPr sz="1200" b="1"/>
+            <a:lvl5pPr marL="1523939" indent="0">
+              <a:buNone/>
+              <a:defRPr sz="1333" b="1"/>
             </a:lvl5pPr>
-            <a:lvl6pPr marL="1714457" indent="0">
-              <a:buNone/>
-              <a:defRPr sz="1200" b="1"/>
+            <a:lvl6pPr marL="1904924" indent="0">
+              <a:buNone/>
+              <a:defRPr sz="1333" b="1"/>
             </a:lvl6pPr>
-            <a:lvl7pPr marL="2057349" indent="0">
-              <a:buNone/>
-              <a:defRPr sz="1200" b="1"/>
+            <a:lvl7pPr marL="2285909" indent="0">
+              <a:buNone/>
+              <a:defRPr sz="1333" b="1"/>
             </a:lvl7pPr>
-            <a:lvl8pPr marL="2400240" indent="0">
-              <a:buNone/>
-              <a:defRPr sz="1200" b="1"/>
+            <a:lvl8pPr marL="2666893" indent="0">
+              <a:buNone/>
+              <a:defRPr sz="1333" b="1"/>
             </a:lvl8pPr>
-            <a:lvl9pPr marL="2743131" indent="0">
-              <a:buNone/>
-              <a:defRPr sz="1200" b="1"/>
+            <a:lvl9pPr marL="3047878" indent="0">
+              <a:buNone/>
+              <a:defRPr sz="1333" b="1"/>
             </a:lvl9pPr>
           </a:lstStyle>
           <a:p>
@@ -1570,8 +1570,8 @@
         </p:nvSpPr>
         <p:spPr>
           <a:xfrm>
-            <a:off x="4629151" y="2087563"/>
-            <a:ext cx="3887391" cy="3070490"/>
+            <a:off x="5143500" y="2087563"/>
+            <a:ext cx="4319323" cy="3070490"/>
           </a:xfrm>
         </p:spPr>
         <p:txBody>
@@ -1632,7 +1632,7 @@
           <a:p>
             <a:fld id="{50DEE611-8BEF-4990-B4F5-91A0FAC492E5}" type="datetimeFigureOut">
               <a:rPr lang="es-VE" smtClean="0"/>
-              <a:t>23/4/2021</a:t>
+              <a:t>23/6/2023</a:t>
             </a:fld>
             <a:endParaRPr lang="es-VE" dirty="0"/>
           </a:p>
@@ -1683,7 +1683,7 @@
     </p:spTree>
     <p:extLst>
       <p:ext uri="{BB962C8B-B14F-4D97-AF65-F5344CB8AC3E}">
-        <p14:creationId xmlns:p14="http://schemas.microsoft.com/office/powerpoint/2010/main" val="1933828883"/>
+        <p14:creationId xmlns:p14="http://schemas.microsoft.com/office/powerpoint/2010/main" val="255247934"/>
       </p:ext>
     </p:extLst>
   </p:cSld>
@@ -1750,7 +1750,7 @@
           <a:p>
             <a:fld id="{50DEE611-8BEF-4990-B4F5-91A0FAC492E5}" type="datetimeFigureOut">
               <a:rPr lang="es-VE" smtClean="0"/>
-              <a:t>23/4/2021</a:t>
+              <a:t>23/6/2023</a:t>
             </a:fld>
             <a:endParaRPr lang="es-VE" dirty="0"/>
           </a:p>
@@ -1801,7 +1801,7 @@
     </p:spTree>
     <p:extLst>
       <p:ext uri="{BB962C8B-B14F-4D97-AF65-F5344CB8AC3E}">
-        <p14:creationId xmlns:p14="http://schemas.microsoft.com/office/powerpoint/2010/main" val="564159855"/>
+        <p14:creationId xmlns:p14="http://schemas.microsoft.com/office/powerpoint/2010/main" val="3932055788"/>
       </p:ext>
     </p:extLst>
   </p:cSld>
@@ -1845,7 +1845,7 @@
           <a:p>
             <a:fld id="{50DEE611-8BEF-4990-B4F5-91A0FAC492E5}" type="datetimeFigureOut">
               <a:rPr lang="es-VE" smtClean="0"/>
-              <a:t>23/4/2021</a:t>
+              <a:t>23/6/2023</a:t>
             </a:fld>
             <a:endParaRPr lang="es-VE" dirty="0"/>
           </a:p>
@@ -1896,7 +1896,7 @@
     </p:spTree>
     <p:extLst>
       <p:ext uri="{BB962C8B-B14F-4D97-AF65-F5344CB8AC3E}">
-        <p14:creationId xmlns:p14="http://schemas.microsoft.com/office/powerpoint/2010/main" val="1236686754"/>
+        <p14:creationId xmlns:p14="http://schemas.microsoft.com/office/powerpoint/2010/main" val="943870089"/>
       </p:ext>
     </p:extLst>
   </p:cSld>
@@ -1935,15 +1935,15 @@
         </p:nvSpPr>
         <p:spPr>
           <a:xfrm>
-            <a:off x="629841" y="381000"/>
-            <a:ext cx="2949179" cy="1333500"/>
+            <a:off x="699824" y="381000"/>
+            <a:ext cx="3276864" cy="1333500"/>
           </a:xfrm>
         </p:spPr>
         <p:txBody>
           <a:bodyPr anchor="b"/>
           <a:lstStyle>
             <a:lvl1pPr>
-              <a:defRPr sz="2400"/>
+              <a:defRPr sz="2667"/>
             </a:lvl1pPr>
           </a:lstStyle>
           <a:p>
@@ -1967,39 +1967,39 @@
         </p:nvSpPr>
         <p:spPr>
           <a:xfrm>
-            <a:off x="3887391" y="822855"/>
-            <a:ext cx="4629151" cy="4061354"/>
+            <a:off x="4319323" y="822855"/>
+            <a:ext cx="5143500" cy="4061354"/>
           </a:xfrm>
         </p:spPr>
         <p:txBody>
           <a:bodyPr/>
           <a:lstStyle>
             <a:lvl1pPr>
-              <a:defRPr sz="2400"/>
+              <a:defRPr sz="2667"/>
             </a:lvl1pPr>
             <a:lvl2pPr>
-              <a:defRPr sz="2100"/>
+              <a:defRPr sz="2333"/>
             </a:lvl2pPr>
             <a:lvl3pPr>
-              <a:defRPr sz="1800"/>
+              <a:defRPr sz="2000"/>
             </a:lvl3pPr>
             <a:lvl4pPr>
-              <a:defRPr sz="1500"/>
+              <a:defRPr sz="1667"/>
             </a:lvl4pPr>
             <a:lvl5pPr>
-              <a:defRPr sz="1500"/>
+              <a:defRPr sz="1667"/>
             </a:lvl5pPr>
             <a:lvl6pPr>
-              <a:defRPr sz="1500"/>
+              <a:defRPr sz="1667"/>
             </a:lvl6pPr>
             <a:lvl7pPr>
-              <a:defRPr sz="1500"/>
+              <a:defRPr sz="1667"/>
             </a:lvl7pPr>
             <a:lvl8pPr>
-              <a:defRPr sz="1500"/>
+              <a:defRPr sz="1667"/>
             </a:lvl8pPr>
             <a:lvl9pPr>
-              <a:defRPr sz="1500"/>
+              <a:defRPr sz="1667"/>
             </a:lvl9pPr>
           </a:lstStyle>
           <a:p>
@@ -2052,8 +2052,8 @@
         </p:nvSpPr>
         <p:spPr>
           <a:xfrm>
-            <a:off x="629841" y="1714501"/>
-            <a:ext cx="2949179" cy="3176323"/>
+            <a:off x="699824" y="1714500"/>
+            <a:ext cx="3276864" cy="3176323"/>
           </a:xfrm>
         </p:spPr>
         <p:txBody>
@@ -2061,39 +2061,39 @@
           <a:lstStyle>
             <a:lvl1pPr marL="0" indent="0">
               <a:buNone/>
-              <a:defRPr sz="1200"/>
+              <a:defRPr sz="1333"/>
             </a:lvl1pPr>
-            <a:lvl2pPr marL="342891" indent="0">
-              <a:buNone/>
-              <a:defRPr sz="1051"/>
+            <a:lvl2pPr marL="380985" indent="0">
+              <a:buNone/>
+              <a:defRPr sz="1167"/>
             </a:lvl2pPr>
-            <a:lvl3pPr marL="685783" indent="0">
-              <a:buNone/>
-              <a:defRPr sz="900"/>
+            <a:lvl3pPr marL="761970" indent="0">
+              <a:buNone/>
+              <a:defRPr sz="1000"/>
             </a:lvl3pPr>
-            <a:lvl4pPr marL="1028674" indent="0">
-              <a:buNone/>
-              <a:defRPr sz="751"/>
+            <a:lvl4pPr marL="1142954" indent="0">
+              <a:buNone/>
+              <a:defRPr sz="833"/>
             </a:lvl4pPr>
-            <a:lvl5pPr marL="1371566" indent="0">
-              <a:buNone/>
-              <a:defRPr sz="751"/>
+            <a:lvl5pPr marL="1523939" indent="0">
+              <a:buNone/>
+              <a:defRPr sz="833"/>
             </a:lvl5pPr>
-            <a:lvl6pPr marL="1714457" indent="0">
-              <a:buNone/>
-              <a:defRPr sz="751"/>
+            <a:lvl6pPr marL="1904924" indent="0">
+              <a:buNone/>
+              <a:defRPr sz="833"/>
             </a:lvl6pPr>
-            <a:lvl7pPr marL="2057349" indent="0">
-              <a:buNone/>
-              <a:defRPr sz="751"/>
+            <a:lvl7pPr marL="2285909" indent="0">
+              <a:buNone/>
+              <a:defRPr sz="833"/>
             </a:lvl7pPr>
-            <a:lvl8pPr marL="2400240" indent="0">
-              <a:buNone/>
-              <a:defRPr sz="751"/>
+            <a:lvl8pPr marL="2666893" indent="0">
+              <a:buNone/>
+              <a:defRPr sz="833"/>
             </a:lvl8pPr>
-            <a:lvl9pPr marL="2743131" indent="0">
-              <a:buNone/>
-              <a:defRPr sz="751"/>
+            <a:lvl9pPr marL="3047878" indent="0">
+              <a:buNone/>
+              <a:defRPr sz="833"/>
             </a:lvl9pPr>
           </a:lstStyle>
           <a:p>
@@ -2122,7 +2122,7 @@
           <a:p>
             <a:fld id="{50DEE611-8BEF-4990-B4F5-91A0FAC492E5}" type="datetimeFigureOut">
               <a:rPr lang="es-VE" smtClean="0"/>
-              <a:t>23/4/2021</a:t>
+              <a:t>23/6/2023</a:t>
             </a:fld>
             <a:endParaRPr lang="es-VE" dirty="0"/>
           </a:p>
@@ -2173,7 +2173,7 @@
     </p:spTree>
     <p:extLst>
       <p:ext uri="{BB962C8B-B14F-4D97-AF65-F5344CB8AC3E}">
-        <p14:creationId xmlns:p14="http://schemas.microsoft.com/office/powerpoint/2010/main" val="214519182"/>
+        <p14:creationId xmlns:p14="http://schemas.microsoft.com/office/powerpoint/2010/main" val="2184593423"/>
       </p:ext>
     </p:extLst>
   </p:cSld>
@@ -2212,15 +2212,15 @@
         </p:nvSpPr>
         <p:spPr>
           <a:xfrm>
-            <a:off x="629841" y="381000"/>
-            <a:ext cx="2949179" cy="1333500"/>
+            <a:off x="699824" y="381000"/>
+            <a:ext cx="3276864" cy="1333500"/>
           </a:xfrm>
         </p:spPr>
         <p:txBody>
           <a:bodyPr anchor="b"/>
           <a:lstStyle>
             <a:lvl1pPr>
-              <a:defRPr sz="2400"/>
+              <a:defRPr sz="2667"/>
             </a:lvl1pPr>
           </a:lstStyle>
           <a:p>
@@ -2244,8 +2244,8 @@
         </p:nvSpPr>
         <p:spPr>
           <a:xfrm>
-            <a:off x="3887391" y="822855"/>
-            <a:ext cx="4629151" cy="4061354"/>
+            <a:off x="4319323" y="822855"/>
+            <a:ext cx="5143500" cy="4061354"/>
           </a:xfrm>
         </p:spPr>
         <p:txBody>
@@ -2253,44 +2253,44 @@
           <a:lstStyle>
             <a:lvl1pPr marL="0" indent="0">
               <a:buNone/>
-              <a:defRPr sz="2400"/>
+              <a:defRPr sz="2667"/>
             </a:lvl1pPr>
-            <a:lvl2pPr marL="342891" indent="0">
-              <a:buNone/>
-              <a:defRPr sz="2100"/>
+            <a:lvl2pPr marL="380985" indent="0">
+              <a:buNone/>
+              <a:defRPr sz="2333"/>
             </a:lvl2pPr>
-            <a:lvl3pPr marL="685783" indent="0">
-              <a:buNone/>
-              <a:defRPr sz="1800"/>
+            <a:lvl3pPr marL="761970" indent="0">
+              <a:buNone/>
+              <a:defRPr sz="2000"/>
             </a:lvl3pPr>
-            <a:lvl4pPr marL="1028674" indent="0">
-              <a:buNone/>
-              <a:defRPr sz="1500"/>
+            <a:lvl4pPr marL="1142954" indent="0">
+              <a:buNone/>
+              <a:defRPr sz="1667"/>
             </a:lvl4pPr>
-            <a:lvl5pPr marL="1371566" indent="0">
-              <a:buNone/>
-              <a:defRPr sz="1500"/>
+            <a:lvl5pPr marL="1523939" indent="0">
+              <a:buNone/>
+              <a:defRPr sz="1667"/>
             </a:lvl5pPr>
-            <a:lvl6pPr marL="1714457" indent="0">
-              <a:buNone/>
-              <a:defRPr sz="1500"/>
+            <a:lvl6pPr marL="1904924" indent="0">
+              <a:buNone/>
+              <a:defRPr sz="1667"/>
             </a:lvl6pPr>
-            <a:lvl7pPr marL="2057349" indent="0">
-              <a:buNone/>
-              <a:defRPr sz="1500"/>
+            <a:lvl7pPr marL="2285909" indent="0">
+              <a:buNone/>
+              <a:defRPr sz="1667"/>
             </a:lvl7pPr>
-            <a:lvl8pPr marL="2400240" indent="0">
-              <a:buNone/>
-              <a:defRPr sz="1500"/>
+            <a:lvl8pPr marL="2666893" indent="0">
+              <a:buNone/>
+              <a:defRPr sz="1667"/>
             </a:lvl8pPr>
-            <a:lvl9pPr marL="2743131" indent="0">
-              <a:buNone/>
-              <a:defRPr sz="1500"/>
+            <a:lvl9pPr marL="3047878" indent="0">
+              <a:buNone/>
+              <a:defRPr sz="1667"/>
             </a:lvl9pPr>
           </a:lstStyle>
           <a:p>
             <a:r>
-              <a:rPr lang="es-ES" dirty="0"/>
+              <a:rPr lang="es-ES"/>
               <a:t>Haga clic en el icono para agregar una imagen</a:t>
             </a:r>
             <a:endParaRPr lang="en-US" dirty="0"/>
@@ -2309,8 +2309,8 @@
         </p:nvSpPr>
         <p:spPr>
           <a:xfrm>
-            <a:off x="629841" y="1714501"/>
-            <a:ext cx="2949179" cy="3176323"/>
+            <a:off x="699824" y="1714500"/>
+            <a:ext cx="3276864" cy="3176323"/>
           </a:xfrm>
         </p:spPr>
         <p:txBody>
@@ -2318,39 +2318,39 @@
           <a:lstStyle>
             <a:lvl1pPr marL="0" indent="0">
               <a:buNone/>
-              <a:defRPr sz="1200"/>
+              <a:defRPr sz="1333"/>
             </a:lvl1pPr>
-            <a:lvl2pPr marL="342891" indent="0">
-              <a:buNone/>
-              <a:defRPr sz="1051"/>
+            <a:lvl2pPr marL="380985" indent="0">
+              <a:buNone/>
+              <a:defRPr sz="1167"/>
             </a:lvl2pPr>
-            <a:lvl3pPr marL="685783" indent="0">
-              <a:buNone/>
-              <a:defRPr sz="900"/>
+            <a:lvl3pPr marL="761970" indent="0">
+              <a:buNone/>
+              <a:defRPr sz="1000"/>
             </a:lvl3pPr>
-            <a:lvl4pPr marL="1028674" indent="0">
-              <a:buNone/>
-              <a:defRPr sz="751"/>
+            <a:lvl4pPr marL="1142954" indent="0">
+              <a:buNone/>
+              <a:defRPr sz="833"/>
             </a:lvl4pPr>
-            <a:lvl5pPr marL="1371566" indent="0">
-              <a:buNone/>
-              <a:defRPr sz="751"/>
+            <a:lvl5pPr marL="1523939" indent="0">
+              <a:buNone/>
+              <a:defRPr sz="833"/>
             </a:lvl5pPr>
-            <a:lvl6pPr marL="1714457" indent="0">
-              <a:buNone/>
-              <a:defRPr sz="751"/>
+            <a:lvl6pPr marL="1904924" indent="0">
+              <a:buNone/>
+              <a:defRPr sz="833"/>
             </a:lvl6pPr>
-            <a:lvl7pPr marL="2057349" indent="0">
-              <a:buNone/>
-              <a:defRPr sz="751"/>
+            <a:lvl7pPr marL="2285909" indent="0">
+              <a:buNone/>
+              <a:defRPr sz="833"/>
             </a:lvl7pPr>
-            <a:lvl8pPr marL="2400240" indent="0">
-              <a:buNone/>
-              <a:defRPr sz="751"/>
+            <a:lvl8pPr marL="2666893" indent="0">
+              <a:buNone/>
+              <a:defRPr sz="833"/>
             </a:lvl8pPr>
-            <a:lvl9pPr marL="2743131" indent="0">
-              <a:buNone/>
-              <a:defRPr sz="751"/>
+            <a:lvl9pPr marL="3047878" indent="0">
+              <a:buNone/>
+              <a:defRPr sz="833"/>
             </a:lvl9pPr>
           </a:lstStyle>
           <a:p>
@@ -2379,7 +2379,7 @@
           <a:p>
             <a:fld id="{50DEE611-8BEF-4990-B4F5-91A0FAC492E5}" type="datetimeFigureOut">
               <a:rPr lang="es-VE" smtClean="0"/>
-              <a:t>23/4/2021</a:t>
+              <a:t>23/6/2023</a:t>
             </a:fld>
             <a:endParaRPr lang="es-VE" dirty="0"/>
           </a:p>
@@ -2430,7 +2430,7 @@
     </p:spTree>
     <p:extLst>
       <p:ext uri="{BB962C8B-B14F-4D97-AF65-F5344CB8AC3E}">
-        <p14:creationId xmlns:p14="http://schemas.microsoft.com/office/powerpoint/2010/main" val="2589174267"/>
+        <p14:creationId xmlns:p14="http://schemas.microsoft.com/office/powerpoint/2010/main" val="299837252"/>
       </p:ext>
     </p:extLst>
   </p:cSld>
@@ -2444,12 +2444,9 @@
 <p:sldMaster xmlns:a="http://schemas.openxmlformats.org/drawingml/2006/main" xmlns:r="http://schemas.openxmlformats.org/officeDocument/2006/relationships" xmlns:p="http://schemas.openxmlformats.org/presentationml/2006/main">
   <p:cSld>
     <p:bg>
-      <p:bgPr>
-        <a:solidFill>
-          <a:schemeClr val="bg1"/>
-        </a:solidFill>
-        <a:effectLst/>
-      </p:bgPr>
+      <p:bgRef idx="1001">
+        <a:schemeClr val="bg1"/>
+      </p:bgRef>
     </p:bg>
     <p:spTree>
       <p:nvGrpSpPr>
@@ -2477,8 +2474,8 @@
         </p:nvSpPr>
         <p:spPr>
           <a:xfrm>
-            <a:off x="628651" y="304271"/>
-            <a:ext cx="7886700" cy="1104636"/>
+            <a:off x="698500" y="304271"/>
+            <a:ext cx="8763000" cy="1104636"/>
           </a:xfrm>
           <a:prstGeom prst="rect">
             <a:avLst/>
@@ -2510,8 +2507,8 @@
         </p:nvSpPr>
         <p:spPr>
           <a:xfrm>
-            <a:off x="628651" y="1521354"/>
-            <a:ext cx="7886700" cy="3626115"/>
+            <a:off x="698500" y="1521354"/>
+            <a:ext cx="8763000" cy="3626115"/>
           </a:xfrm>
           <a:prstGeom prst="rect">
             <a:avLst/>
@@ -2572,8 +2569,8 @@
         </p:nvSpPr>
         <p:spPr>
           <a:xfrm>
-            <a:off x="628651" y="5296960"/>
-            <a:ext cx="2057400" cy="304271"/>
+            <a:off x="698500" y="5296959"/>
+            <a:ext cx="2286000" cy="304271"/>
           </a:xfrm>
           <a:prstGeom prst="rect">
             <a:avLst/>
@@ -2583,7 +2580,7 @@
           <a:bodyPr vert="horz" lIns="91440" tIns="45720" rIns="91440" bIns="45720" rtlCol="0" anchor="ctr"/>
           <a:lstStyle>
             <a:lvl1pPr algn="l">
-              <a:defRPr sz="900">
+              <a:defRPr sz="1000">
                 <a:solidFill>
                   <a:schemeClr val="tx1">
                     <a:tint val="75000"/>
@@ -2595,7 +2592,7 @@
           <a:p>
             <a:fld id="{50DEE611-8BEF-4990-B4F5-91A0FAC492E5}" type="datetimeFigureOut">
               <a:rPr lang="es-VE" smtClean="0"/>
-              <a:t>23/4/2021</a:t>
+              <a:t>23/6/2023</a:t>
             </a:fld>
             <a:endParaRPr lang="es-VE" dirty="0"/>
           </a:p>
@@ -2613,8 +2610,8 @@
         </p:nvSpPr>
         <p:spPr>
           <a:xfrm>
-            <a:off x="3028951" y="5296960"/>
-            <a:ext cx="3086100" cy="304271"/>
+            <a:off x="3365500" y="5296959"/>
+            <a:ext cx="3429000" cy="304271"/>
           </a:xfrm>
           <a:prstGeom prst="rect">
             <a:avLst/>
@@ -2624,7 +2621,7 @@
           <a:bodyPr vert="horz" lIns="91440" tIns="45720" rIns="91440" bIns="45720" rtlCol="0" anchor="ctr"/>
           <a:lstStyle>
             <a:lvl1pPr algn="ctr">
-              <a:defRPr sz="900">
+              <a:defRPr sz="1000">
                 <a:solidFill>
                   <a:schemeClr val="tx1">
                     <a:tint val="75000"/>
@@ -2650,8 +2647,8 @@
         </p:nvSpPr>
         <p:spPr>
           <a:xfrm>
-            <a:off x="6457951" y="5296960"/>
-            <a:ext cx="2057400" cy="304271"/>
+            <a:off x="7175500" y="5296959"/>
+            <a:ext cx="2286000" cy="304271"/>
           </a:xfrm>
           <a:prstGeom prst="rect">
             <a:avLst/>
@@ -2661,7 +2658,7 @@
           <a:bodyPr vert="horz" lIns="91440" tIns="45720" rIns="91440" bIns="45720" rtlCol="0" anchor="ctr"/>
           <a:lstStyle>
             <a:lvl1pPr algn="r">
-              <a:defRPr sz="900">
+              <a:defRPr sz="1000">
                 <a:solidFill>
                   <a:schemeClr val="tx1">
                     <a:tint val="75000"/>
@@ -2682,27 +2679,27 @@
     </p:spTree>
     <p:extLst>
       <p:ext uri="{BB962C8B-B14F-4D97-AF65-F5344CB8AC3E}">
-        <p14:creationId xmlns:p14="http://schemas.microsoft.com/office/powerpoint/2010/main" val="3947717685"/>
+        <p14:creationId xmlns:p14="http://schemas.microsoft.com/office/powerpoint/2010/main" val="2468312162"/>
       </p:ext>
     </p:extLst>
   </p:cSld>
   <p:clrMap bg1="dk1" tx1="lt1" bg2="dk2" tx2="lt2" accent1="accent1" accent2="accent2" accent3="accent3" accent4="accent4" accent5="accent5" accent6="accent6" hlink="hlink" folHlink="folHlink"/>
   <p:sldLayoutIdLst>
-    <p:sldLayoutId id="2147483673" r:id="rId1"/>
-    <p:sldLayoutId id="2147483674" r:id="rId2"/>
-    <p:sldLayoutId id="2147483675" r:id="rId3"/>
-    <p:sldLayoutId id="2147483676" r:id="rId4"/>
-    <p:sldLayoutId id="2147483677" r:id="rId5"/>
-    <p:sldLayoutId id="2147483678" r:id="rId6"/>
-    <p:sldLayoutId id="2147483679" r:id="rId7"/>
-    <p:sldLayoutId id="2147483680" r:id="rId8"/>
-    <p:sldLayoutId id="2147483681" r:id="rId9"/>
-    <p:sldLayoutId id="2147483682" r:id="rId10"/>
-    <p:sldLayoutId id="2147483683" r:id="rId11"/>
+    <p:sldLayoutId id="2147483685" r:id="rId1"/>
+    <p:sldLayoutId id="2147483686" r:id="rId2"/>
+    <p:sldLayoutId id="2147483687" r:id="rId3"/>
+    <p:sldLayoutId id="2147483688" r:id="rId4"/>
+    <p:sldLayoutId id="2147483689" r:id="rId5"/>
+    <p:sldLayoutId id="2147483690" r:id="rId6"/>
+    <p:sldLayoutId id="2147483691" r:id="rId7"/>
+    <p:sldLayoutId id="2147483692" r:id="rId8"/>
+    <p:sldLayoutId id="2147483693" r:id="rId9"/>
+    <p:sldLayoutId id="2147483694" r:id="rId10"/>
+    <p:sldLayoutId id="2147483695" r:id="rId11"/>
   </p:sldLayoutIdLst>
   <p:txStyles>
     <p:titleStyle>
-      <a:lvl1pPr algn="l" defTabSz="685783" rtl="0" eaLnBrk="1" latinLnBrk="0" hangingPunct="1">
+      <a:lvl1pPr algn="l" defTabSz="761970" rtl="0" eaLnBrk="1" latinLnBrk="0" hangingPunct="1">
         <a:lnSpc>
           <a:spcPct val="90000"/>
         </a:lnSpc>
@@ -2710,7 +2707,7 @@
           <a:spcPct val="0"/>
         </a:spcBef>
         <a:buNone/>
-        <a:defRPr sz="3300" kern="1200">
+        <a:defRPr sz="3667" kern="1200">
           <a:solidFill>
             <a:schemeClr val="tx1"/>
           </a:solidFill>
@@ -2721,16 +2718,16 @@
       </a:lvl1pPr>
     </p:titleStyle>
     <p:bodyStyle>
-      <a:lvl1pPr marL="171446" indent="-171446" algn="l" defTabSz="685783" rtl="0" eaLnBrk="1" latinLnBrk="0" hangingPunct="1">
+      <a:lvl1pPr marL="190492" indent="-190492" algn="l" defTabSz="761970" rtl="0" eaLnBrk="1" latinLnBrk="0" hangingPunct="1">
         <a:lnSpc>
           <a:spcPct val="90000"/>
         </a:lnSpc>
         <a:spcBef>
-          <a:spcPts val="751"/>
+          <a:spcPts val="833"/>
         </a:spcBef>
         <a:buFont typeface="Arial" panose="020B0604020202020204" pitchFamily="34" charset="0"/>
         <a:buChar char="•"/>
-        <a:defRPr sz="2100" kern="1200">
+        <a:defRPr sz="2333" kern="1200">
           <a:solidFill>
             <a:schemeClr val="tx1"/>
           </a:solidFill>
@@ -2739,16 +2736,16 @@
           <a:cs typeface="+mn-cs"/>
         </a:defRPr>
       </a:lvl1pPr>
-      <a:lvl2pPr marL="514338" indent="-171446" algn="l" defTabSz="685783" rtl="0" eaLnBrk="1" latinLnBrk="0" hangingPunct="1">
+      <a:lvl2pPr marL="571477" indent="-190492" algn="l" defTabSz="761970" rtl="0" eaLnBrk="1" latinLnBrk="0" hangingPunct="1">
         <a:lnSpc>
           <a:spcPct val="90000"/>
         </a:lnSpc>
         <a:spcBef>
-          <a:spcPts val="375"/>
+          <a:spcPts val="417"/>
         </a:spcBef>
         <a:buFont typeface="Arial" panose="020B0604020202020204" pitchFamily="34" charset="0"/>
         <a:buChar char="•"/>
-        <a:defRPr sz="1800" kern="1200">
+        <a:defRPr sz="2000" kern="1200">
           <a:solidFill>
             <a:schemeClr val="tx1"/>
           </a:solidFill>
@@ -2757,12 +2754,30 @@
           <a:cs typeface="+mn-cs"/>
         </a:defRPr>
       </a:lvl2pPr>
-      <a:lvl3pPr marL="857229" indent="-171446" algn="l" defTabSz="685783" rtl="0" eaLnBrk="1" latinLnBrk="0" hangingPunct="1">
+      <a:lvl3pPr marL="952462" indent="-190492" algn="l" defTabSz="761970" rtl="0" eaLnBrk="1" latinLnBrk="0" hangingPunct="1">
         <a:lnSpc>
           <a:spcPct val="90000"/>
         </a:lnSpc>
         <a:spcBef>
-          <a:spcPts val="375"/>
+          <a:spcPts val="417"/>
+        </a:spcBef>
+        <a:buFont typeface="Arial" panose="020B0604020202020204" pitchFamily="34" charset="0"/>
+        <a:buChar char="•"/>
+        <a:defRPr sz="1667" kern="1200">
+          <a:solidFill>
+            <a:schemeClr val="tx1"/>
+          </a:solidFill>
+          <a:latin typeface="+mn-lt"/>
+          <a:ea typeface="+mn-ea"/>
+          <a:cs typeface="+mn-cs"/>
+        </a:defRPr>
+      </a:lvl3pPr>
+      <a:lvl4pPr marL="1333447" indent="-190492" algn="l" defTabSz="761970" rtl="0" eaLnBrk="1" latinLnBrk="0" hangingPunct="1">
+        <a:lnSpc>
+          <a:spcPct val="90000"/>
+        </a:lnSpc>
+        <a:spcBef>
+          <a:spcPts val="417"/>
         </a:spcBef>
         <a:buFont typeface="Arial" panose="020B0604020202020204" pitchFamily="34" charset="0"/>
         <a:buChar char="•"/>
@@ -2774,35 +2789,17 @@
           <a:ea typeface="+mn-ea"/>
           <a:cs typeface="+mn-cs"/>
         </a:defRPr>
-      </a:lvl3pPr>
-      <a:lvl4pPr marL="1200121" indent="-171446" algn="l" defTabSz="685783" rtl="0" eaLnBrk="1" latinLnBrk="0" hangingPunct="1">
+      </a:lvl4pPr>
+      <a:lvl5pPr marL="1714431" indent="-190492" algn="l" defTabSz="761970" rtl="0" eaLnBrk="1" latinLnBrk="0" hangingPunct="1">
         <a:lnSpc>
           <a:spcPct val="90000"/>
         </a:lnSpc>
         <a:spcBef>
-          <a:spcPts val="375"/>
+          <a:spcPts val="417"/>
         </a:spcBef>
         <a:buFont typeface="Arial" panose="020B0604020202020204" pitchFamily="34" charset="0"/>
         <a:buChar char="•"/>
-        <a:defRPr sz="1351" kern="1200">
-          <a:solidFill>
-            <a:schemeClr val="tx1"/>
-          </a:solidFill>
-          <a:latin typeface="+mn-lt"/>
-          <a:ea typeface="+mn-ea"/>
-          <a:cs typeface="+mn-cs"/>
-        </a:defRPr>
-      </a:lvl4pPr>
-      <a:lvl5pPr marL="1543012" indent="-171446" algn="l" defTabSz="685783" rtl="0" eaLnBrk="1" latinLnBrk="0" hangingPunct="1">
-        <a:lnSpc>
-          <a:spcPct val="90000"/>
-        </a:lnSpc>
-        <a:spcBef>
-          <a:spcPts val="375"/>
-        </a:spcBef>
-        <a:buFont typeface="Arial" panose="020B0604020202020204" pitchFamily="34" charset="0"/>
-        <a:buChar char="•"/>
-        <a:defRPr sz="1351" kern="1200">
+        <a:defRPr sz="1500" kern="1200">
           <a:solidFill>
             <a:schemeClr val="tx1"/>
           </a:solidFill>
@@ -2811,16 +2808,16 @@
           <a:cs typeface="+mn-cs"/>
         </a:defRPr>
       </a:lvl5pPr>
-      <a:lvl6pPr marL="1885904" indent="-171446" algn="l" defTabSz="685783" rtl="0" eaLnBrk="1" latinLnBrk="0" hangingPunct="1">
+      <a:lvl6pPr marL="2095416" indent="-190492" algn="l" defTabSz="761970" rtl="0" eaLnBrk="1" latinLnBrk="0" hangingPunct="1">
         <a:lnSpc>
           <a:spcPct val="90000"/>
         </a:lnSpc>
         <a:spcBef>
-          <a:spcPts val="375"/>
+          <a:spcPts val="417"/>
         </a:spcBef>
         <a:buFont typeface="Arial" panose="020B0604020202020204" pitchFamily="34" charset="0"/>
         <a:buChar char="•"/>
-        <a:defRPr sz="1351" kern="1200">
+        <a:defRPr sz="1500" kern="1200">
           <a:solidFill>
             <a:schemeClr val="tx1"/>
           </a:solidFill>
@@ -2829,16 +2826,16 @@
           <a:cs typeface="+mn-cs"/>
         </a:defRPr>
       </a:lvl6pPr>
-      <a:lvl7pPr marL="2228795" indent="-171446" algn="l" defTabSz="685783" rtl="0" eaLnBrk="1" latinLnBrk="0" hangingPunct="1">
+      <a:lvl7pPr marL="2476401" indent="-190492" algn="l" defTabSz="761970" rtl="0" eaLnBrk="1" latinLnBrk="0" hangingPunct="1">
         <a:lnSpc>
           <a:spcPct val="90000"/>
         </a:lnSpc>
         <a:spcBef>
-          <a:spcPts val="375"/>
+          <a:spcPts val="417"/>
         </a:spcBef>
         <a:buFont typeface="Arial" panose="020B0604020202020204" pitchFamily="34" charset="0"/>
         <a:buChar char="•"/>
-        <a:defRPr sz="1351" kern="1200">
+        <a:defRPr sz="1500" kern="1200">
           <a:solidFill>
             <a:schemeClr val="tx1"/>
           </a:solidFill>
@@ -2847,16 +2844,16 @@
           <a:cs typeface="+mn-cs"/>
         </a:defRPr>
       </a:lvl7pPr>
-      <a:lvl8pPr marL="2571686" indent="-171446" algn="l" defTabSz="685783" rtl="0" eaLnBrk="1" latinLnBrk="0" hangingPunct="1">
+      <a:lvl8pPr marL="2857386" indent="-190492" algn="l" defTabSz="761970" rtl="0" eaLnBrk="1" latinLnBrk="0" hangingPunct="1">
         <a:lnSpc>
           <a:spcPct val="90000"/>
         </a:lnSpc>
         <a:spcBef>
-          <a:spcPts val="375"/>
+          <a:spcPts val="417"/>
         </a:spcBef>
         <a:buFont typeface="Arial" panose="020B0604020202020204" pitchFamily="34" charset="0"/>
         <a:buChar char="•"/>
-        <a:defRPr sz="1351" kern="1200">
+        <a:defRPr sz="1500" kern="1200">
           <a:solidFill>
             <a:schemeClr val="tx1"/>
           </a:solidFill>
@@ -2865,16 +2862,16 @@
           <a:cs typeface="+mn-cs"/>
         </a:defRPr>
       </a:lvl8pPr>
-      <a:lvl9pPr marL="2914578" indent="-171446" algn="l" defTabSz="685783" rtl="0" eaLnBrk="1" latinLnBrk="0" hangingPunct="1">
+      <a:lvl9pPr marL="3238370" indent="-190492" algn="l" defTabSz="761970" rtl="0" eaLnBrk="1" latinLnBrk="0" hangingPunct="1">
         <a:lnSpc>
           <a:spcPct val="90000"/>
         </a:lnSpc>
         <a:spcBef>
-          <a:spcPts val="375"/>
+          <a:spcPts val="417"/>
         </a:spcBef>
         <a:buFont typeface="Arial" panose="020B0604020202020204" pitchFamily="34" charset="0"/>
         <a:buChar char="•"/>
-        <a:defRPr sz="1351" kern="1200">
+        <a:defRPr sz="1500" kern="1200">
           <a:solidFill>
             <a:schemeClr val="tx1"/>
           </a:solidFill>
@@ -2888,8 +2885,8 @@
       <a:defPPr>
         <a:defRPr lang="en-US"/>
       </a:defPPr>
-      <a:lvl1pPr marL="0" algn="l" defTabSz="685783" rtl="0" eaLnBrk="1" latinLnBrk="0" hangingPunct="1">
-        <a:defRPr sz="1351" kern="1200">
+      <a:lvl1pPr marL="0" algn="l" defTabSz="761970" rtl="0" eaLnBrk="1" latinLnBrk="0" hangingPunct="1">
+        <a:defRPr sz="1500" kern="1200">
           <a:solidFill>
             <a:schemeClr val="tx1"/>
           </a:solidFill>
@@ -2898,8 +2895,8 @@
           <a:cs typeface="+mn-cs"/>
         </a:defRPr>
       </a:lvl1pPr>
-      <a:lvl2pPr marL="342891" algn="l" defTabSz="685783" rtl="0" eaLnBrk="1" latinLnBrk="0" hangingPunct="1">
-        <a:defRPr sz="1351" kern="1200">
+      <a:lvl2pPr marL="380985" algn="l" defTabSz="761970" rtl="0" eaLnBrk="1" latinLnBrk="0" hangingPunct="1">
+        <a:defRPr sz="1500" kern="1200">
           <a:solidFill>
             <a:schemeClr val="tx1"/>
           </a:solidFill>
@@ -2908,8 +2905,8 @@
           <a:cs typeface="+mn-cs"/>
         </a:defRPr>
       </a:lvl2pPr>
-      <a:lvl3pPr marL="685783" algn="l" defTabSz="685783" rtl="0" eaLnBrk="1" latinLnBrk="0" hangingPunct="1">
-        <a:defRPr sz="1351" kern="1200">
+      <a:lvl3pPr marL="761970" algn="l" defTabSz="761970" rtl="0" eaLnBrk="1" latinLnBrk="0" hangingPunct="1">
+        <a:defRPr sz="1500" kern="1200">
           <a:solidFill>
             <a:schemeClr val="tx1"/>
           </a:solidFill>
@@ -2918,8 +2915,8 @@
           <a:cs typeface="+mn-cs"/>
         </a:defRPr>
       </a:lvl3pPr>
-      <a:lvl4pPr marL="1028674" algn="l" defTabSz="685783" rtl="0" eaLnBrk="1" latinLnBrk="0" hangingPunct="1">
-        <a:defRPr sz="1351" kern="1200">
+      <a:lvl4pPr marL="1142954" algn="l" defTabSz="761970" rtl="0" eaLnBrk="1" latinLnBrk="0" hangingPunct="1">
+        <a:defRPr sz="1500" kern="1200">
           <a:solidFill>
             <a:schemeClr val="tx1"/>
           </a:solidFill>
@@ -2928,8 +2925,8 @@
           <a:cs typeface="+mn-cs"/>
         </a:defRPr>
       </a:lvl4pPr>
-      <a:lvl5pPr marL="1371566" algn="l" defTabSz="685783" rtl="0" eaLnBrk="1" latinLnBrk="0" hangingPunct="1">
-        <a:defRPr sz="1351" kern="1200">
+      <a:lvl5pPr marL="1523939" algn="l" defTabSz="761970" rtl="0" eaLnBrk="1" latinLnBrk="0" hangingPunct="1">
+        <a:defRPr sz="1500" kern="1200">
           <a:solidFill>
             <a:schemeClr val="tx1"/>
           </a:solidFill>
@@ -2938,8 +2935,8 @@
           <a:cs typeface="+mn-cs"/>
         </a:defRPr>
       </a:lvl5pPr>
-      <a:lvl6pPr marL="1714457" algn="l" defTabSz="685783" rtl="0" eaLnBrk="1" latinLnBrk="0" hangingPunct="1">
-        <a:defRPr sz="1351" kern="1200">
+      <a:lvl6pPr marL="1904924" algn="l" defTabSz="761970" rtl="0" eaLnBrk="1" latinLnBrk="0" hangingPunct="1">
+        <a:defRPr sz="1500" kern="1200">
           <a:solidFill>
             <a:schemeClr val="tx1"/>
           </a:solidFill>
@@ -2948,8 +2945,8 @@
           <a:cs typeface="+mn-cs"/>
         </a:defRPr>
       </a:lvl6pPr>
-      <a:lvl7pPr marL="2057349" algn="l" defTabSz="685783" rtl="0" eaLnBrk="1" latinLnBrk="0" hangingPunct="1">
-        <a:defRPr sz="1351" kern="1200">
+      <a:lvl7pPr marL="2285909" algn="l" defTabSz="761970" rtl="0" eaLnBrk="1" latinLnBrk="0" hangingPunct="1">
+        <a:defRPr sz="1500" kern="1200">
           <a:solidFill>
             <a:schemeClr val="tx1"/>
           </a:solidFill>
@@ -2958,8 +2955,8 @@
           <a:cs typeface="+mn-cs"/>
         </a:defRPr>
       </a:lvl7pPr>
-      <a:lvl8pPr marL="2400240" algn="l" defTabSz="685783" rtl="0" eaLnBrk="1" latinLnBrk="0" hangingPunct="1">
-        <a:defRPr sz="1351" kern="1200">
+      <a:lvl8pPr marL="2666893" algn="l" defTabSz="761970" rtl="0" eaLnBrk="1" latinLnBrk="0" hangingPunct="1">
+        <a:defRPr sz="1500" kern="1200">
           <a:solidFill>
             <a:schemeClr val="tx1"/>
           </a:solidFill>
@@ -2968,8 +2965,8 @@
           <a:cs typeface="+mn-cs"/>
         </a:defRPr>
       </a:lvl8pPr>
-      <a:lvl9pPr marL="2743131" algn="l" defTabSz="685783" rtl="0" eaLnBrk="1" latinLnBrk="0" hangingPunct="1">
-        <a:defRPr sz="1351" kern="1200">
+      <a:lvl9pPr marL="3047878" algn="l" defTabSz="761970" rtl="0" eaLnBrk="1" latinLnBrk="0" hangingPunct="1">
+        <a:defRPr sz="1500" kern="1200">
           <a:solidFill>
             <a:schemeClr val="tx1"/>
           </a:solidFill>
@@ -3051,7 +3048,7 @@
         </p:nvSpPr>
         <p:spPr>
           <a:xfrm>
-            <a:off x="313766" y="408215"/>
+            <a:off x="821767" y="408215"/>
             <a:ext cx="8516471" cy="3408412"/>
           </a:xfrm>
         </p:spPr>
@@ -3086,7 +3083,7 @@
         </p:nvSpPr>
         <p:spPr>
           <a:xfrm>
-            <a:off x="1143000" y="3816627"/>
+            <a:off x="1651000" y="3816627"/>
             <a:ext cx="6858000" cy="1360492"/>
           </a:xfrm>
         </p:spPr>
@@ -3190,7 +3187,7 @@
         </p:nvSpPr>
         <p:spPr>
           <a:xfrm>
-            <a:off x="228600" y="47144"/>
+            <a:off x="736600" y="47145"/>
             <a:ext cx="8686800" cy="1163091"/>
           </a:xfrm>
         </p:spPr>
@@ -3233,7 +3230,7 @@
         </p:nvSpPr>
         <p:spPr>
           <a:xfrm>
-            <a:off x="228600" y="1210234"/>
+            <a:off x="736600" y="1210235"/>
             <a:ext cx="8686800" cy="4114801"/>
           </a:xfrm>
         </p:spPr>
@@ -3269,7 +3266,7 @@
         </p:nvSpPr>
         <p:spPr>
           <a:xfrm>
-            <a:off x="228600" y="5325035"/>
+            <a:off x="736600" y="5325036"/>
             <a:ext cx="8686800" cy="342775"/>
           </a:xfrm>
           <a:prstGeom prst="rect">
@@ -3533,7 +3530,7 @@
         </p:nvSpPr>
         <p:spPr>
           <a:xfrm>
-            <a:off x="228600" y="47144"/>
+            <a:off x="736600" y="47145"/>
             <a:ext cx="8686800" cy="1163091"/>
           </a:xfrm>
         </p:spPr>
@@ -3576,7 +3573,7 @@
         </p:nvSpPr>
         <p:spPr>
           <a:xfrm>
-            <a:off x="228600" y="1210235"/>
+            <a:off x="736600" y="1210236"/>
             <a:ext cx="8686800" cy="1163091"/>
           </a:xfrm>
         </p:spPr>
@@ -3696,7 +3693,7 @@
           <p:nvPr/>
         </p:nvGraphicFramePr>
         <p:xfrm>
-          <a:off x="228600" y="2440008"/>
+          <a:off x="736600" y="2440008"/>
           <a:ext cx="8686800" cy="3019920"/>
         </p:xfrm>
         <a:graphic>
@@ -4105,7 +4102,7 @@
         </p:nvSpPr>
         <p:spPr>
           <a:xfrm>
-            <a:off x="228600" y="47144"/>
+            <a:off x="736600" y="47145"/>
             <a:ext cx="8686800" cy="1163091"/>
           </a:xfrm>
         </p:spPr>
@@ -4148,7 +4145,7 @@
         </p:nvSpPr>
         <p:spPr>
           <a:xfrm>
-            <a:off x="228600" y="1210235"/>
+            <a:off x="736600" y="1210236"/>
             <a:ext cx="8686800" cy="3989293"/>
           </a:xfrm>
         </p:spPr>
@@ -4284,7 +4281,7 @@
         </p:nvSpPr>
         <p:spPr>
           <a:xfrm>
-            <a:off x="228600" y="5181601"/>
+            <a:off x="736600" y="5181601"/>
             <a:ext cx="8686800" cy="486210"/>
           </a:xfrm>
           <a:prstGeom prst="rect">
@@ -4460,23 +4457,15 @@
             </a:lvl9pPr>
           </a:lstStyle>
           <a:p>
-            <a:pPr marL="0" lvl="0" indent="0" algn="r">
+            <a:pPr marL="0" indent="0" algn="r">
               <a:buNone/>
             </a:pPr>
             <a:r>
-              <a:rPr kumimoji="0" lang="es-VE" sz="1800" b="1" i="0" u="none" strike="noStrike" kern="1200" cap="none" spc="0" normalizeH="0" baseline="0" noProof="0" dirty="0">
-                <a:ln>
-                  <a:noFill/>
-                </a:ln>
+              <a:rPr lang="es-VE" sz="1800" b="1" dirty="0">
                 <a:solidFill>
                   <a:srgbClr val="FFC000"/>
                 </a:solidFill>
-                <a:effectLst/>
-                <a:uLnTx/>
-                <a:uFillTx/>
                 <a:latin typeface="Calibri" panose="020F0502020204030204"/>
-                <a:ea typeface="+mn-ea"/>
-                <a:cs typeface="+mn-cs"/>
               </a:rPr>
               <a:t>[1</a:t>
             </a:r>
@@ -4592,13 +4581,7 @@
               </a:rPr>
               <a:t> 12:7</a:t>
             </a:r>
-            <a:endParaRPr kumimoji="0" lang="es-VE" sz="1800" i="0" u="none" strike="noStrike" kern="1200" cap="none" spc="0" normalizeH="0" baseline="0" noProof="0" dirty="0">
-              <a:ln>
-                <a:noFill/>
-              </a:ln>
-              <a:effectLst/>
-              <a:uLnTx/>
-              <a:uFillTx/>
+            <a:endParaRPr lang="es-VE" sz="1800" dirty="0">
               <a:latin typeface="Calibri" panose="020F0502020204030204"/>
             </a:endParaRPr>
           </a:p>
@@ -4685,7 +4668,7 @@
         </p:nvSpPr>
         <p:spPr>
           <a:xfrm>
-            <a:off x="228600" y="47190"/>
+            <a:off x="736600" y="47190"/>
             <a:ext cx="8686800" cy="1163046"/>
           </a:xfrm>
         </p:spPr>
@@ -4728,7 +4711,7 @@
         </p:nvSpPr>
         <p:spPr>
           <a:xfrm>
-            <a:off x="228600" y="1210235"/>
+            <a:off x="736600" y="1210236"/>
             <a:ext cx="8686800" cy="3989293"/>
           </a:xfrm>
         </p:spPr>
@@ -4818,7 +4801,7 @@
         </p:nvSpPr>
         <p:spPr>
           <a:xfrm>
-            <a:off x="228600" y="5181601"/>
+            <a:off x="736600" y="5181601"/>
             <a:ext cx="8686800" cy="486210"/>
           </a:xfrm>
           <a:prstGeom prst="rect">
@@ -4994,23 +4977,15 @@
             </a:lvl9pPr>
           </a:lstStyle>
           <a:p>
-            <a:pPr marL="0" lvl="0" indent="0" algn="r">
+            <a:pPr marL="0" indent="0" algn="r">
               <a:buNone/>
             </a:pPr>
             <a:r>
-              <a:rPr kumimoji="0" lang="es-VE" sz="1800" b="1" i="0" u="none" strike="noStrike" kern="1200" cap="none" spc="0" normalizeH="0" baseline="0" noProof="0" dirty="0">
-                <a:ln>
-                  <a:noFill/>
-                </a:ln>
+              <a:rPr lang="es-VE" sz="1800" b="1" dirty="0">
                 <a:solidFill>
                   <a:srgbClr val="FFC000"/>
                 </a:solidFill>
-                <a:effectLst/>
-                <a:uLnTx/>
-                <a:uFillTx/>
                 <a:latin typeface="Calibri" panose="020F0502020204030204"/>
-                <a:ea typeface="+mn-ea"/>
-                <a:cs typeface="+mn-cs"/>
               </a:rPr>
               <a:t>[1</a:t>
             </a:r>
@@ -5050,13 +5025,7 @@
               <a:rPr lang="es-VE" sz="1800" dirty="0"/>
               <a:t>1Co 5:5</a:t>
             </a:r>
-            <a:endParaRPr kumimoji="0" lang="es-VE" sz="1800" i="0" u="none" strike="noStrike" kern="1200" cap="none" spc="0" normalizeH="0" baseline="0" noProof="0" dirty="0">
-              <a:ln>
-                <a:noFill/>
-              </a:ln>
-              <a:effectLst/>
-              <a:uLnTx/>
-              <a:uFillTx/>
+            <a:endParaRPr lang="es-VE" sz="1800" dirty="0">
               <a:latin typeface="Calibri" panose="020F0502020204030204"/>
             </a:endParaRPr>
           </a:p>
@@ -5143,7 +5112,7 @@
         </p:nvSpPr>
         <p:spPr>
           <a:xfrm>
-            <a:off x="228600" y="47190"/>
+            <a:off x="736600" y="47190"/>
             <a:ext cx="8686800" cy="1163046"/>
           </a:xfrm>
         </p:spPr>
@@ -5186,7 +5155,7 @@
         </p:nvSpPr>
         <p:spPr>
           <a:xfrm>
-            <a:off x="228600" y="1210235"/>
+            <a:off x="736600" y="1210236"/>
             <a:ext cx="8686800" cy="3989293"/>
           </a:xfrm>
         </p:spPr>
@@ -5273,7 +5242,7 @@
         </p:nvSpPr>
         <p:spPr>
           <a:xfrm>
-            <a:off x="228600" y="5181601"/>
+            <a:off x="736600" y="5181601"/>
             <a:ext cx="8686800" cy="486210"/>
           </a:xfrm>
           <a:prstGeom prst="rect">
@@ -5449,23 +5418,15 @@
             </a:lvl9pPr>
           </a:lstStyle>
           <a:p>
-            <a:pPr marL="0" lvl="0" indent="0" algn="r">
+            <a:pPr marL="0" indent="0" algn="r">
               <a:buNone/>
             </a:pPr>
             <a:r>
-              <a:rPr kumimoji="0" lang="es-VE" sz="1800" b="1" i="0" u="none" strike="noStrike" kern="1200" cap="none" spc="0" normalizeH="0" baseline="0" noProof="0" dirty="0">
-                <a:ln>
-                  <a:noFill/>
-                </a:ln>
+              <a:rPr lang="es-VE" sz="1800" b="1" dirty="0">
                 <a:solidFill>
                   <a:srgbClr val="FFC000"/>
                 </a:solidFill>
-                <a:effectLst/>
-                <a:uLnTx/>
-                <a:uFillTx/>
                 <a:latin typeface="Calibri" panose="020F0502020204030204"/>
-                <a:ea typeface="+mn-ea"/>
-                <a:cs typeface="+mn-cs"/>
               </a:rPr>
               <a:t>[1</a:t>
             </a:r>
@@ -5521,13 +5482,7 @@
               <a:rPr lang="es-VE" sz="1800" dirty="0"/>
               <a:t>Pro 16:32</a:t>
             </a:r>
-            <a:endParaRPr kumimoji="0" lang="es-VE" sz="1800" i="0" u="none" strike="noStrike" kern="1200" cap="none" spc="0" normalizeH="0" baseline="0" noProof="0" dirty="0">
-              <a:ln>
-                <a:noFill/>
-              </a:ln>
-              <a:effectLst/>
-              <a:uLnTx/>
-              <a:uFillTx/>
+            <a:endParaRPr lang="es-VE" sz="1800" dirty="0">
               <a:latin typeface="Calibri" panose="020F0502020204030204"/>
             </a:endParaRPr>
           </a:p>
@@ -5614,7 +5569,7 @@
         </p:nvSpPr>
         <p:spPr>
           <a:xfrm>
-            <a:off x="228600" y="47190"/>
+            <a:off x="736600" y="47190"/>
             <a:ext cx="8686800" cy="1163046"/>
           </a:xfrm>
         </p:spPr>
@@ -5657,7 +5612,7 @@
         </p:nvSpPr>
         <p:spPr>
           <a:xfrm>
-            <a:off x="228600" y="1210235"/>
+            <a:off x="736600" y="1210236"/>
             <a:ext cx="8686800" cy="3989293"/>
           </a:xfrm>
         </p:spPr>
@@ -5756,7 +5711,7 @@
         </p:nvSpPr>
         <p:spPr>
           <a:xfrm>
-            <a:off x="228600" y="5181601"/>
+            <a:off x="736600" y="5181601"/>
             <a:ext cx="8686800" cy="486210"/>
           </a:xfrm>
           <a:prstGeom prst="rect">
@@ -5932,23 +5887,15 @@
             </a:lvl9pPr>
           </a:lstStyle>
           <a:p>
-            <a:pPr marL="0" lvl="0" indent="0" algn="r">
+            <a:pPr marL="0" indent="0" algn="r">
               <a:buNone/>
             </a:pPr>
             <a:r>
-              <a:rPr kumimoji="0" lang="es-VE" sz="1800" b="1" i="0" u="none" strike="noStrike" kern="1200" cap="none" spc="0" normalizeH="0" baseline="0" noProof="0" dirty="0">
-                <a:ln>
-                  <a:noFill/>
-                </a:ln>
+              <a:rPr lang="es-VE" sz="1800" b="1" dirty="0">
                 <a:solidFill>
                   <a:srgbClr val="FFC000"/>
                 </a:solidFill>
-                <a:effectLst/>
-                <a:uLnTx/>
-                <a:uFillTx/>
                 <a:latin typeface="Calibri" panose="020F0502020204030204"/>
-                <a:ea typeface="+mn-ea"/>
-                <a:cs typeface="+mn-cs"/>
               </a:rPr>
               <a:t>[1</a:t>
             </a:r>
@@ -6012,13 +5959,7 @@
               <a:rPr lang="es-VE" sz="1800" dirty="0"/>
               <a:t>1Co 2:11</a:t>
             </a:r>
-            <a:endParaRPr kumimoji="0" lang="es-VE" sz="1800" i="0" u="none" strike="noStrike" kern="1200" cap="none" spc="0" normalizeH="0" baseline="0" noProof="0" dirty="0">
-              <a:ln>
-                <a:noFill/>
-              </a:ln>
-              <a:effectLst/>
-              <a:uLnTx/>
-              <a:uFillTx/>
+            <a:endParaRPr lang="es-VE" sz="1800" dirty="0">
               <a:latin typeface="Calibri" panose="020F0502020204030204"/>
             </a:endParaRPr>
           </a:p>
@@ -6105,7 +6046,7 @@
         </p:nvSpPr>
         <p:spPr>
           <a:xfrm>
-            <a:off x="228600" y="47190"/>
+            <a:off x="736600" y="47190"/>
             <a:ext cx="8686800" cy="1453806"/>
           </a:xfrm>
         </p:spPr>
@@ -6163,7 +6104,7 @@
         </p:nvSpPr>
         <p:spPr>
           <a:xfrm>
-            <a:off x="228600" y="1500996"/>
+            <a:off x="736600" y="1500996"/>
             <a:ext cx="8686800" cy="3698532"/>
           </a:xfrm>
         </p:spPr>
@@ -6234,7 +6175,7 @@
         </p:nvSpPr>
         <p:spPr>
           <a:xfrm>
-            <a:off x="228600" y="5181601"/>
+            <a:off x="736600" y="5181601"/>
             <a:ext cx="8686800" cy="486210"/>
           </a:xfrm>
           <a:prstGeom prst="rect">
@@ -6410,23 +6351,15 @@
             </a:lvl9pPr>
           </a:lstStyle>
           <a:p>
-            <a:pPr marL="0" lvl="0" indent="0" algn="r">
+            <a:pPr marL="0" indent="0" algn="r">
               <a:buNone/>
             </a:pPr>
             <a:r>
-              <a:rPr kumimoji="0" lang="es-VE" sz="1800" b="1" i="0" u="none" strike="noStrike" kern="1200" cap="none" spc="0" normalizeH="0" baseline="0" noProof="0" dirty="0">
-                <a:ln>
-                  <a:noFill/>
-                </a:ln>
+              <a:rPr lang="es-VE" sz="1800" b="1" dirty="0">
                 <a:solidFill>
                   <a:srgbClr val="FFC000"/>
                 </a:solidFill>
-                <a:effectLst/>
-                <a:uLnTx/>
-                <a:uFillTx/>
                 <a:latin typeface="Calibri" panose="020F0502020204030204"/>
-                <a:ea typeface="+mn-ea"/>
-                <a:cs typeface="+mn-cs"/>
               </a:rPr>
               <a:t>[1</a:t>
             </a:r>
@@ -6454,13 +6387,7 @@
               <a:rPr lang="es-VE" sz="1800" dirty="0"/>
               <a:t>Isa 38:12; 2Pe 1:13</a:t>
             </a:r>
-            <a:endParaRPr kumimoji="0" lang="es-VE" sz="1800" i="0" u="none" strike="noStrike" kern="1200" cap="none" spc="0" normalizeH="0" baseline="0" noProof="0" dirty="0">
-              <a:ln>
-                <a:noFill/>
-              </a:ln>
-              <a:effectLst/>
-              <a:uLnTx/>
-              <a:uFillTx/>
+            <a:endParaRPr lang="es-VE" sz="1800" dirty="0">
               <a:latin typeface="Calibri" panose="020F0502020204030204"/>
             </a:endParaRPr>
           </a:p>
@@ -6547,7 +6474,7 @@
         </p:nvSpPr>
         <p:spPr>
           <a:xfrm>
-            <a:off x="228600" y="47190"/>
+            <a:off x="736600" y="47190"/>
             <a:ext cx="8686800" cy="1453806"/>
           </a:xfrm>
         </p:spPr>
@@ -6617,7 +6544,7 @@
         </p:nvSpPr>
         <p:spPr>
           <a:xfrm>
-            <a:off x="228600" y="1500996"/>
+            <a:off x="736600" y="1500996"/>
             <a:ext cx="8686800" cy="3698532"/>
           </a:xfrm>
         </p:spPr>
@@ -6681,7 +6608,7 @@
         </p:nvSpPr>
         <p:spPr>
           <a:xfrm>
-            <a:off x="228600" y="5181601"/>
+            <a:off x="736600" y="5181601"/>
             <a:ext cx="8686800" cy="486210"/>
           </a:xfrm>
           <a:prstGeom prst="rect">
@@ -6857,23 +6784,15 @@
             </a:lvl9pPr>
           </a:lstStyle>
           <a:p>
-            <a:pPr marL="0" lvl="0" indent="0" algn="r">
+            <a:pPr marL="0" indent="0" algn="r">
               <a:buNone/>
             </a:pPr>
             <a:r>
-              <a:rPr kumimoji="0" lang="es-VE" sz="1800" b="1" i="0" u="none" strike="noStrike" kern="1200" cap="none" spc="0" normalizeH="0" baseline="0" noProof="0" dirty="0">
-                <a:ln>
-                  <a:noFill/>
-                </a:ln>
+              <a:rPr lang="es-VE" sz="1800" b="1" dirty="0">
                 <a:solidFill>
                   <a:srgbClr val="FFC000"/>
                 </a:solidFill>
-                <a:effectLst/>
-                <a:uLnTx/>
-                <a:uFillTx/>
                 <a:latin typeface="Calibri" panose="020F0502020204030204"/>
-                <a:ea typeface="+mn-ea"/>
-                <a:cs typeface="+mn-cs"/>
               </a:rPr>
               <a:t>[1</a:t>
             </a:r>
@@ -6889,13 +6808,7 @@
               <a:rPr lang="es-VE" sz="1800" dirty="0"/>
               <a:t>Dan 7:15</a:t>
             </a:r>
-            <a:endParaRPr kumimoji="0" lang="es-VE" sz="1800" i="0" u="none" strike="noStrike" kern="1200" cap="none" spc="0" normalizeH="0" baseline="0" noProof="0" dirty="0">
-              <a:ln>
-                <a:noFill/>
-              </a:ln>
-              <a:effectLst/>
-              <a:uLnTx/>
-              <a:uFillTx/>
+            <a:endParaRPr lang="es-VE" sz="1800" dirty="0">
               <a:latin typeface="Calibri" panose="020F0502020204030204"/>
             </a:endParaRPr>
           </a:p>
@@ -6982,7 +6895,7 @@
         </p:nvSpPr>
         <p:spPr>
           <a:xfrm>
-            <a:off x="228600" y="47190"/>
+            <a:off x="736600" y="47190"/>
             <a:ext cx="8686800" cy="1453806"/>
           </a:xfrm>
         </p:spPr>
@@ -7044,7 +6957,7 @@
         </p:nvSpPr>
         <p:spPr>
           <a:xfrm>
-            <a:off x="228600" y="1500996"/>
+            <a:off x="736600" y="1500996"/>
             <a:ext cx="8686800" cy="3698532"/>
           </a:xfrm>
         </p:spPr>
@@ -7144,7 +7057,7 @@
         </p:nvSpPr>
         <p:spPr>
           <a:xfrm>
-            <a:off x="228600" y="5181601"/>
+            <a:off x="736600" y="5181601"/>
             <a:ext cx="8686800" cy="486210"/>
           </a:xfrm>
           <a:prstGeom prst="rect">
@@ -7320,23 +7233,15 @@
             </a:lvl9pPr>
           </a:lstStyle>
           <a:p>
-            <a:pPr marL="0" lvl="0" indent="0" algn="r">
+            <a:pPr marL="0" indent="0" algn="r">
               <a:buNone/>
             </a:pPr>
             <a:r>
-              <a:rPr kumimoji="0" lang="es-VE" sz="1800" b="1" i="0" u="none" strike="noStrike" kern="1200" cap="none" spc="0" normalizeH="0" baseline="0" noProof="0" dirty="0">
-                <a:ln>
-                  <a:noFill/>
-                </a:ln>
+              <a:rPr lang="es-VE" sz="1800" b="1" dirty="0">
                 <a:solidFill>
                   <a:srgbClr val="FFC000"/>
                 </a:solidFill>
-                <a:effectLst/>
-                <a:uLnTx/>
-                <a:uFillTx/>
                 <a:latin typeface="Calibri" panose="020F0502020204030204"/>
-                <a:ea typeface="+mn-ea"/>
-                <a:cs typeface="+mn-cs"/>
               </a:rPr>
               <a:t>[1</a:t>
             </a:r>
@@ -7400,13 +7305,7 @@
               <a:rPr lang="es-VE" sz="1800" dirty="0"/>
               <a:t>1Co 6:19</a:t>
             </a:r>
-            <a:endParaRPr kumimoji="0" lang="es-VE" sz="1800" i="0" u="none" strike="noStrike" kern="1200" cap="none" spc="0" normalizeH="0" baseline="0" noProof="0" dirty="0">
-              <a:ln>
-                <a:noFill/>
-              </a:ln>
-              <a:effectLst/>
-              <a:uLnTx/>
-              <a:uFillTx/>
+            <a:endParaRPr lang="es-VE" sz="1800" dirty="0">
               <a:latin typeface="Calibri" panose="020F0502020204030204"/>
             </a:endParaRPr>
           </a:p>
@@ -7493,7 +7392,7 @@
         </p:nvSpPr>
         <p:spPr>
           <a:xfrm>
-            <a:off x="313766" y="408214"/>
+            <a:off x="821767" y="408215"/>
             <a:ext cx="8516471" cy="4947557"/>
           </a:xfrm>
         </p:spPr>
@@ -7593,7 +7492,7 @@
         </p:nvSpPr>
         <p:spPr>
           <a:xfrm>
-            <a:off x="391885" y="216131"/>
+            <a:off x="899885" y="216131"/>
             <a:ext cx="8360230" cy="714892"/>
           </a:xfrm>
         </p:spPr>
@@ -7628,7 +7527,7 @@
         </p:nvSpPr>
         <p:spPr>
           <a:xfrm>
-            <a:off x="391887" y="931022"/>
+            <a:off x="899887" y="931023"/>
             <a:ext cx="8360228" cy="4567847"/>
           </a:xfrm>
         </p:spPr>
@@ -7776,7 +7675,7 @@
         </p:nvSpPr>
         <p:spPr>
           <a:xfrm>
-            <a:off x="228600" y="47144"/>
+            <a:off x="736600" y="47145"/>
             <a:ext cx="8686800" cy="1467891"/>
           </a:xfrm>
         </p:spPr>
@@ -7819,7 +7718,7 @@
         </p:nvSpPr>
         <p:spPr>
           <a:xfrm>
-            <a:off x="228600" y="1515035"/>
+            <a:off x="736600" y="1515035"/>
             <a:ext cx="8686800" cy="3666566"/>
           </a:xfrm>
         </p:spPr>
@@ -7919,7 +7818,7 @@
         </p:nvSpPr>
         <p:spPr>
           <a:xfrm>
-            <a:off x="228600" y="5181601"/>
+            <a:off x="736600" y="5181601"/>
             <a:ext cx="8686800" cy="486210"/>
           </a:xfrm>
           <a:prstGeom prst="rect">
@@ -8095,23 +7994,15 @@
             </a:lvl9pPr>
           </a:lstStyle>
           <a:p>
-            <a:pPr marL="0" lvl="0" indent="0" algn="r">
+            <a:pPr marL="0" indent="0" algn="r">
               <a:buNone/>
             </a:pPr>
             <a:r>
-              <a:rPr kumimoji="0" lang="es-VE" sz="1800" b="1" i="0" u="none" strike="noStrike" kern="1200" cap="none" spc="0" normalizeH="0" baseline="0" noProof="0" dirty="0">
-                <a:ln>
-                  <a:noFill/>
-                </a:ln>
+              <a:rPr lang="es-VE" sz="1800" b="1" dirty="0">
                 <a:solidFill>
                   <a:srgbClr val="FFC000"/>
                 </a:solidFill>
-                <a:effectLst/>
-                <a:uLnTx/>
-                <a:uFillTx/>
                 <a:latin typeface="Calibri" panose="020F0502020204030204"/>
-                <a:ea typeface="+mn-ea"/>
-                <a:cs typeface="+mn-cs"/>
               </a:rPr>
               <a:t>[1</a:t>
             </a:r>
@@ -8219,13 +8110,7 @@
               <a:rPr lang="sv-SE" sz="1800" dirty="0"/>
               <a:t>Lv 19:2; Mt 5:45 Mt 5:48; Ef 5:1</a:t>
             </a:r>
-            <a:endParaRPr kumimoji="0" lang="es-VE" sz="2400" i="0" u="none" strike="noStrike" kern="1200" cap="none" spc="0" normalizeH="0" baseline="0" noProof="0" dirty="0">
-              <a:ln>
-                <a:noFill/>
-              </a:ln>
-              <a:effectLst/>
-              <a:uLnTx/>
-              <a:uFillTx/>
+            <a:endParaRPr lang="es-VE" sz="2400" dirty="0">
               <a:latin typeface="Calibri" panose="020F0502020204030204"/>
             </a:endParaRPr>
           </a:p>
@@ -8312,7 +8197,7 @@
         </p:nvSpPr>
         <p:spPr>
           <a:xfrm>
-            <a:off x="228600" y="47144"/>
+            <a:off x="736600" y="47145"/>
             <a:ext cx="8686800" cy="1467891"/>
           </a:xfrm>
         </p:spPr>
@@ -8355,7 +8240,7 @@
         </p:nvSpPr>
         <p:spPr>
           <a:xfrm>
-            <a:off x="228600" y="1515035"/>
+            <a:off x="736600" y="1515035"/>
             <a:ext cx="8686800" cy="3666566"/>
           </a:xfrm>
         </p:spPr>
@@ -8501,7 +8386,7 @@
         </p:nvSpPr>
         <p:spPr>
           <a:xfrm>
-            <a:off x="228600" y="5181601"/>
+            <a:off x="736600" y="5181601"/>
             <a:ext cx="8686800" cy="486210"/>
           </a:xfrm>
           <a:prstGeom prst="rect">
@@ -8677,23 +8562,15 @@
             </a:lvl9pPr>
           </a:lstStyle>
           <a:p>
-            <a:pPr marL="0" lvl="0" indent="0" algn="r">
+            <a:pPr marL="0" indent="0" algn="r">
               <a:buNone/>
             </a:pPr>
             <a:r>
-              <a:rPr kumimoji="0" lang="es-VE" sz="1800" b="1" i="0" u="none" strike="noStrike" kern="1200" cap="none" spc="0" normalizeH="0" baseline="0" noProof="0" dirty="0">
-                <a:ln>
-                  <a:noFill/>
-                </a:ln>
+              <a:rPr lang="es-VE" sz="1800" b="1" dirty="0">
                 <a:solidFill>
                   <a:srgbClr val="FFC000"/>
                 </a:solidFill>
-                <a:effectLst/>
-                <a:uLnTx/>
-                <a:uFillTx/>
                 <a:latin typeface="Calibri" panose="020F0502020204030204"/>
-                <a:ea typeface="+mn-ea"/>
-                <a:cs typeface="+mn-cs"/>
               </a:rPr>
               <a:t>[1</a:t>
             </a:r>
@@ -8753,13 +8630,7 @@
               </a:rPr>
               <a:t> 4:24</a:t>
             </a:r>
-            <a:endParaRPr kumimoji="0" lang="es-VE" sz="2400" i="0" u="none" strike="noStrike" kern="1200" cap="none" spc="0" normalizeH="0" baseline="0" noProof="0" dirty="0">
-              <a:ln>
-                <a:noFill/>
-              </a:ln>
-              <a:effectLst/>
-              <a:uLnTx/>
-              <a:uFillTx/>
+            <a:endParaRPr lang="es-VE" sz="2400" dirty="0">
               <a:latin typeface="Calibri" panose="020F0502020204030204"/>
             </a:endParaRPr>
           </a:p>
@@ -8846,7 +8717,7 @@
         </p:nvSpPr>
         <p:spPr>
           <a:xfrm>
-            <a:off x="228600" y="47144"/>
+            <a:off x="736600" y="47145"/>
             <a:ext cx="8686800" cy="1467891"/>
           </a:xfrm>
         </p:spPr>
@@ -8889,7 +8760,7 @@
         </p:nvSpPr>
         <p:spPr>
           <a:xfrm>
-            <a:off x="228600" y="1515035"/>
+            <a:off x="736600" y="1515035"/>
             <a:ext cx="8686800" cy="3666566"/>
           </a:xfrm>
         </p:spPr>
@@ -8976,7 +8847,7 @@
         </p:nvSpPr>
         <p:spPr>
           <a:xfrm>
-            <a:off x="228600" y="5181601"/>
+            <a:off x="736600" y="5181601"/>
             <a:ext cx="8686800" cy="486210"/>
           </a:xfrm>
           <a:prstGeom prst="rect">
@@ -9152,23 +9023,15 @@
             </a:lvl9pPr>
           </a:lstStyle>
           <a:p>
-            <a:pPr marL="0" lvl="0" indent="0" algn="r">
+            <a:pPr marL="0" indent="0" algn="r">
               <a:buNone/>
             </a:pPr>
             <a:r>
-              <a:rPr kumimoji="0" lang="es-VE" sz="1800" b="1" i="0" u="none" strike="noStrike" kern="1200" cap="none" spc="0" normalizeH="0" baseline="0" noProof="0" dirty="0">
-                <a:ln>
-                  <a:noFill/>
-                </a:ln>
+              <a:rPr lang="es-VE" sz="1800" b="1" dirty="0">
                 <a:solidFill>
                   <a:srgbClr val="FFC000"/>
                 </a:solidFill>
-                <a:effectLst/>
-                <a:uLnTx/>
-                <a:uFillTx/>
                 <a:latin typeface="Calibri" panose="020F0502020204030204"/>
-                <a:ea typeface="+mn-ea"/>
-                <a:cs typeface="+mn-cs"/>
               </a:rPr>
               <a:t>[1</a:t>
             </a:r>
@@ -9196,13 +9059,7 @@
               </a:rPr>
               <a:t> 3:22</a:t>
             </a:r>
-            <a:endParaRPr kumimoji="0" lang="es-VE" sz="2400" i="0" u="none" strike="noStrike" kern="1200" cap="none" spc="0" normalizeH="0" baseline="0" noProof="0" dirty="0">
-              <a:ln>
-                <a:noFill/>
-              </a:ln>
-              <a:effectLst/>
-              <a:uLnTx/>
-              <a:uFillTx/>
+            <a:endParaRPr lang="es-VE" sz="2400" dirty="0">
               <a:latin typeface="Calibri" panose="020F0502020204030204"/>
             </a:endParaRPr>
           </a:p>
@@ -9289,7 +9146,7 @@
         </p:nvSpPr>
         <p:spPr>
           <a:xfrm>
-            <a:off x="228600" y="47144"/>
+            <a:off x="736600" y="47145"/>
             <a:ext cx="8686800" cy="1467891"/>
           </a:xfrm>
         </p:spPr>
@@ -9332,7 +9189,7 @@
         </p:nvSpPr>
         <p:spPr>
           <a:xfrm>
-            <a:off x="228600" y="1515035"/>
+            <a:off x="736600" y="1515035"/>
             <a:ext cx="8686800" cy="3666566"/>
           </a:xfrm>
         </p:spPr>
@@ -9465,7 +9322,7 @@
         </p:nvSpPr>
         <p:spPr>
           <a:xfrm>
-            <a:off x="228600" y="5181601"/>
+            <a:off x="736600" y="5181601"/>
             <a:ext cx="8686800" cy="486210"/>
           </a:xfrm>
           <a:prstGeom prst="rect">
@@ -9641,23 +9498,15 @@
             </a:lvl9pPr>
           </a:lstStyle>
           <a:p>
-            <a:pPr marL="0" lvl="0" indent="0" algn="r">
+            <a:pPr marL="0" indent="0" algn="r">
               <a:buNone/>
             </a:pPr>
             <a:r>
-              <a:rPr kumimoji="0" lang="es-VE" sz="1800" b="1" i="0" u="none" strike="noStrike" kern="1200" cap="none" spc="0" normalizeH="0" baseline="0" noProof="0" dirty="0">
-                <a:ln>
-                  <a:noFill/>
-                </a:ln>
+              <a:rPr lang="es-VE" sz="1800" b="1" dirty="0">
                 <a:solidFill>
                   <a:srgbClr val="FFC000"/>
                 </a:solidFill>
-                <a:effectLst/>
-                <a:uLnTx/>
-                <a:uFillTx/>
                 <a:latin typeface="Calibri" panose="020F0502020204030204"/>
-                <a:ea typeface="+mn-ea"/>
-                <a:cs typeface="+mn-cs"/>
               </a:rPr>
               <a:t>[Referencia</a:t>
             </a:r>
@@ -9685,13 +9534,7 @@
               </a:rPr>
               <a:t> 11:3-4</a:t>
             </a:r>
-            <a:endParaRPr kumimoji="0" lang="es-VE" sz="2400" i="0" u="none" strike="noStrike" kern="1200" cap="none" spc="0" normalizeH="0" baseline="0" noProof="0" dirty="0">
-              <a:ln>
-                <a:noFill/>
-              </a:ln>
-              <a:effectLst/>
-              <a:uLnTx/>
-              <a:uFillTx/>
+            <a:endParaRPr lang="es-VE" sz="2400" dirty="0">
               <a:latin typeface="Calibri" panose="020F0502020204030204"/>
             </a:endParaRPr>
           </a:p>
@@ -9778,7 +9621,7 @@
         </p:nvSpPr>
         <p:spPr>
           <a:xfrm>
-            <a:off x="228600" y="47144"/>
+            <a:off x="736600" y="47145"/>
             <a:ext cx="8686800" cy="1467891"/>
           </a:xfrm>
         </p:spPr>
@@ -9821,7 +9664,7 @@
         </p:nvSpPr>
         <p:spPr>
           <a:xfrm>
-            <a:off x="228600" y="1515035"/>
+            <a:off x="736600" y="1515035"/>
             <a:ext cx="8686800" cy="3666566"/>
           </a:xfrm>
         </p:spPr>
@@ -9916,7 +9759,7 @@
         </p:nvSpPr>
         <p:spPr>
           <a:xfrm>
-            <a:off x="228600" y="5181601"/>
+            <a:off x="736600" y="5181601"/>
             <a:ext cx="8686800" cy="486210"/>
           </a:xfrm>
           <a:prstGeom prst="rect">
@@ -10092,23 +9935,15 @@
             </a:lvl9pPr>
           </a:lstStyle>
           <a:p>
-            <a:pPr marL="0" lvl="0" indent="0" algn="r">
+            <a:pPr marL="0" indent="0" algn="r">
               <a:buNone/>
             </a:pPr>
             <a:r>
-              <a:rPr kumimoji="0" lang="es-VE" sz="1800" b="1" i="0" u="none" strike="noStrike" kern="1200" cap="none" spc="0" normalizeH="0" baseline="0" noProof="0" dirty="0">
-                <a:ln>
-                  <a:noFill/>
-                </a:ln>
+              <a:rPr lang="es-VE" sz="1800" b="1" dirty="0">
                 <a:solidFill>
                   <a:srgbClr val="FFC000"/>
                 </a:solidFill>
-                <a:effectLst/>
-                <a:uLnTx/>
-                <a:uFillTx/>
                 <a:latin typeface="Calibri" panose="020F0502020204030204"/>
-                <a:ea typeface="+mn-ea"/>
-                <a:cs typeface="+mn-cs"/>
               </a:rPr>
               <a:t>[1</a:t>
             </a:r>
@@ -10168,13 +10003,7 @@
               </a:rPr>
               <a:t> 6:51 </a:t>
             </a:r>
-            <a:endParaRPr kumimoji="0" lang="es-VE" sz="2400" b="1" i="0" u="none" strike="noStrike" kern="1200" cap="none" spc="0" normalizeH="0" baseline="0" noProof="0" dirty="0">
-              <a:ln>
-                <a:noFill/>
-              </a:ln>
-              <a:effectLst/>
-              <a:uLnTx/>
-              <a:uFillTx/>
+            <a:endParaRPr lang="es-VE" sz="2400" b="1" dirty="0">
               <a:latin typeface="Calibri" panose="020F0502020204030204"/>
             </a:endParaRPr>
           </a:p>
@@ -10261,7 +10090,7 @@
         </p:nvSpPr>
         <p:spPr>
           <a:xfrm>
-            <a:off x="228600" y="47144"/>
+            <a:off x="736600" y="47145"/>
             <a:ext cx="8686800" cy="1467891"/>
           </a:xfrm>
         </p:spPr>
@@ -10304,7 +10133,7 @@
         </p:nvSpPr>
         <p:spPr>
           <a:xfrm>
-            <a:off x="228600" y="1515035"/>
+            <a:off x="736600" y="1515035"/>
             <a:ext cx="8686800" cy="3666566"/>
           </a:xfrm>
         </p:spPr>
@@ -10423,7 +10252,7 @@
         </p:nvSpPr>
         <p:spPr>
           <a:xfrm>
-            <a:off x="228600" y="5181601"/>
+            <a:off x="736600" y="5181601"/>
             <a:ext cx="8686800" cy="486210"/>
           </a:xfrm>
           <a:prstGeom prst="rect">
@@ -10599,23 +10428,15 @@
             </a:lvl9pPr>
           </a:lstStyle>
           <a:p>
-            <a:pPr marL="0" lvl="0" indent="0" algn="r">
+            <a:pPr marL="0" indent="0" algn="r">
               <a:buNone/>
             </a:pPr>
             <a:r>
-              <a:rPr kumimoji="0" lang="es-VE" sz="1800" b="1" i="0" u="none" strike="noStrike" kern="1200" cap="none" spc="0" normalizeH="0" baseline="0" noProof="0" dirty="0">
-                <a:ln>
-                  <a:noFill/>
-                </a:ln>
+              <a:rPr lang="es-VE" sz="1800" b="1" dirty="0">
                 <a:solidFill>
                   <a:srgbClr val="FFC000"/>
                 </a:solidFill>
-                <a:effectLst/>
-                <a:uLnTx/>
-                <a:uFillTx/>
                 <a:latin typeface="Calibri" panose="020F0502020204030204"/>
-                <a:ea typeface="+mn-ea"/>
-                <a:cs typeface="+mn-cs"/>
               </a:rPr>
               <a:t>[1</a:t>
             </a:r>
@@ -10635,13 +10456,7 @@
               </a:rPr>
               <a:t>Sal 8:5-8</a:t>
             </a:r>
-            <a:endParaRPr kumimoji="0" lang="es-VE" sz="2400" b="1" i="0" u="none" strike="noStrike" kern="1200" cap="none" spc="0" normalizeH="0" baseline="0" noProof="0" dirty="0">
-              <a:ln>
-                <a:noFill/>
-              </a:ln>
-              <a:effectLst/>
-              <a:uLnTx/>
-              <a:uFillTx/>
+            <a:endParaRPr lang="es-VE" sz="2400" b="1" dirty="0">
               <a:latin typeface="Calibri" panose="020F0502020204030204"/>
             </a:endParaRPr>
           </a:p>
@@ -10728,7 +10543,7 @@
         </p:nvSpPr>
         <p:spPr>
           <a:xfrm>
-            <a:off x="313766" y="408214"/>
+            <a:off x="821767" y="408215"/>
             <a:ext cx="8516471" cy="4947557"/>
           </a:xfrm>
         </p:spPr>
@@ -10828,7 +10643,7 @@
         </p:nvSpPr>
         <p:spPr>
           <a:xfrm>
-            <a:off x="228600" y="309281"/>
+            <a:off x="736600" y="309282"/>
             <a:ext cx="8686800" cy="1160931"/>
           </a:xfrm>
         </p:spPr>
@@ -10864,7 +10679,7 @@
         </p:nvSpPr>
         <p:spPr>
           <a:xfrm>
-            <a:off x="228600" y="1604686"/>
+            <a:off x="736600" y="1604686"/>
             <a:ext cx="8686800" cy="3482704"/>
           </a:xfrm>
         </p:spPr>
@@ -10960,7 +10775,7 @@
         </p:nvSpPr>
         <p:spPr>
           <a:xfrm>
-            <a:off x="228600" y="5087389"/>
+            <a:off x="736600" y="5087390"/>
             <a:ext cx="8686800" cy="580421"/>
           </a:xfrm>
           <a:prstGeom prst="rect">
@@ -11268,7 +11083,7 @@
         </p:nvSpPr>
         <p:spPr>
           <a:xfrm>
-            <a:off x="313766" y="408214"/>
+            <a:off x="821767" y="408215"/>
             <a:ext cx="8516471" cy="4947557"/>
           </a:xfrm>
         </p:spPr>
@@ -11368,7 +11183,7 @@
         </p:nvSpPr>
         <p:spPr>
           <a:xfrm>
-            <a:off x="228600" y="47144"/>
+            <a:off x="736600" y="47145"/>
             <a:ext cx="8686800" cy="1163091"/>
           </a:xfrm>
         </p:spPr>
@@ -11411,7 +11226,7 @@
         </p:nvSpPr>
         <p:spPr>
           <a:xfrm>
-            <a:off x="228600" y="1210234"/>
+            <a:off x="736600" y="1210235"/>
             <a:ext cx="8686800" cy="4114801"/>
           </a:xfrm>
         </p:spPr>
@@ -11471,7 +11286,7 @@
         </p:nvSpPr>
         <p:spPr>
           <a:xfrm>
-            <a:off x="228600" y="5325035"/>
+            <a:off x="736600" y="5325036"/>
             <a:ext cx="8686800" cy="342775"/>
           </a:xfrm>
           <a:prstGeom prst="rect">
@@ -11735,7 +11550,7 @@
         </p:nvSpPr>
         <p:spPr>
           <a:xfrm>
-            <a:off x="228600" y="47144"/>
+            <a:off x="736600" y="47145"/>
             <a:ext cx="8686800" cy="1163091"/>
           </a:xfrm>
         </p:spPr>
@@ -11778,7 +11593,7 @@
         </p:nvSpPr>
         <p:spPr>
           <a:xfrm>
-            <a:off x="228600" y="1210234"/>
+            <a:off x="736600" y="1210235"/>
             <a:ext cx="8686800" cy="4114801"/>
           </a:xfrm>
         </p:spPr>
@@ -11865,7 +11680,7 @@
         </p:nvSpPr>
         <p:spPr>
           <a:xfrm>
-            <a:off x="228600" y="5325035"/>
+            <a:off x="736600" y="5325036"/>
             <a:ext cx="8686800" cy="342775"/>
           </a:xfrm>
           <a:prstGeom prst="rect">
@@ -12129,7 +11944,7 @@
         </p:nvSpPr>
         <p:spPr>
           <a:xfrm>
-            <a:off x="228600" y="47144"/>
+            <a:off x="736600" y="47145"/>
             <a:ext cx="8686800" cy="1163091"/>
           </a:xfrm>
         </p:spPr>
@@ -12172,7 +11987,7 @@
         </p:nvSpPr>
         <p:spPr>
           <a:xfrm>
-            <a:off x="228600" y="1210234"/>
+            <a:off x="736600" y="1210235"/>
             <a:ext cx="8686800" cy="4114801"/>
           </a:xfrm>
         </p:spPr>
@@ -12247,7 +12062,7 @@
         </p:nvSpPr>
         <p:spPr>
           <a:xfrm>
-            <a:off x="228600" y="5325035"/>
+            <a:off x="736600" y="5325036"/>
             <a:ext cx="8686800" cy="342775"/>
           </a:xfrm>
           <a:prstGeom prst="rect">
@@ -12511,7 +12326,7 @@
         </p:nvSpPr>
         <p:spPr>
           <a:xfrm>
-            <a:off x="228600" y="47144"/>
+            <a:off x="736600" y="47145"/>
             <a:ext cx="8686800" cy="1163091"/>
           </a:xfrm>
         </p:spPr>
@@ -12554,7 +12369,7 @@
         </p:nvSpPr>
         <p:spPr>
           <a:xfrm>
-            <a:off x="228600" y="1210234"/>
+            <a:off x="736600" y="1210235"/>
             <a:ext cx="8686800" cy="4114801"/>
           </a:xfrm>
         </p:spPr>
@@ -12590,7 +12405,7 @@
         </p:nvSpPr>
         <p:spPr>
           <a:xfrm>
-            <a:off x="228600" y="5325035"/>
+            <a:off x="736600" y="5325036"/>
             <a:ext cx="8686800" cy="342775"/>
           </a:xfrm>
           <a:prstGeom prst="rect">
@@ -12787,7 +12602,7 @@
 </file>
 
 <file path=ppt/theme/theme1.xml><?xml version="1.0" encoding="utf-8"?>
-<a:theme xmlns:a="http://schemas.openxmlformats.org/drawingml/2006/main" name="Office Theme">
+<a:theme xmlns:a="http://schemas.openxmlformats.org/drawingml/2006/main" name="Tema de Office">
   <a:themeElements>
     <a:clrScheme name="Tema de Office">
       <a:dk1>
@@ -13041,7 +12856,7 @@
   <a:extraClrSchemeLst/>
   <a:extLst>
     <a:ext uri="{05A4C25C-085E-4340-85A3-A5531E510DB2}">
-      <thm15:themeFamily xmlns:thm15="http://schemas.microsoft.com/office/thememl/2012/main" name="Office Theme" id="{62F939B6-93AF-4DB8-9C6B-D6C7DFDC589F}" vid="{3E4F19A7-A959-40BB-972C-4880BAF8EB09}"/>
+      <thm15:themeFamily xmlns:thm15="http://schemas.microsoft.com/office/thememl/2012/main" name="Office Theme 2013 - 2022" id="{62F939B6-93AF-4DB8-9C6B-D6C7DFDC589F}" vid="{3E4F19A7-A959-40BB-972C-4880BAF8EB09}"/>
     </a:ext>
   </a:extLst>
 </a:theme>
